--- a/Images.pptx
+++ b/Images.pptx
@@ -8,6 +8,8 @@
     <p:sldId id="256" r:id="rId2"/>
     <p:sldId id="257" r:id="rId3"/>
     <p:sldId id="258" r:id="rId4"/>
+    <p:sldId id="259" r:id="rId5"/>
+    <p:sldId id="260" r:id="rId6"/>
   </p:sldIdLst>
   <p:sldSz cx="12192000" cy="6858000"/>
   <p:notesSz cx="6858000" cy="9144000"/>
@@ -106,6 +108,11 @@
       </a:defRPr>
     </a:lvl9pPr>
   </p:defaultTextStyle>
+  <p:extLst>
+    <p:ext uri="{EFAFB233-063F-42B5-8137-9DF3F51BA10A}">
+      <p15:sldGuideLst xmlns:p15="http://schemas.microsoft.com/office/powerpoint/2012/main"/>
+    </p:ext>
+  </p:extLst>
 </p:presentation>
 </file>
 
@@ -258,7 +265,7 @@
           <a:p>
             <a:fld id="{CC609147-96C1-144C-8BEA-2AD546402AA1}" type="datetimeFigureOut">
               <a:rPr lang="en-US" smtClean="0"/>
-              <a:t>12/4/23</a:t>
+              <a:t>12/5/23</a:t>
             </a:fld>
             <a:endParaRPr lang="en-US"/>
           </a:p>
@@ -458,7 +465,7 @@
           <a:p>
             <a:fld id="{CC609147-96C1-144C-8BEA-2AD546402AA1}" type="datetimeFigureOut">
               <a:rPr lang="en-US" smtClean="0"/>
-              <a:t>12/4/23</a:t>
+              <a:t>12/5/23</a:t>
             </a:fld>
             <a:endParaRPr lang="en-US"/>
           </a:p>
@@ -668,7 +675,7 @@
           <a:p>
             <a:fld id="{CC609147-96C1-144C-8BEA-2AD546402AA1}" type="datetimeFigureOut">
               <a:rPr lang="en-US" smtClean="0"/>
-              <a:t>12/4/23</a:t>
+              <a:t>12/5/23</a:t>
             </a:fld>
             <a:endParaRPr lang="en-US"/>
           </a:p>
@@ -868,7 +875,7 @@
           <a:p>
             <a:fld id="{CC609147-96C1-144C-8BEA-2AD546402AA1}" type="datetimeFigureOut">
               <a:rPr lang="en-US" smtClean="0"/>
-              <a:t>12/4/23</a:t>
+              <a:t>12/5/23</a:t>
             </a:fld>
             <a:endParaRPr lang="en-US"/>
           </a:p>
@@ -1144,7 +1151,7 @@
           <a:p>
             <a:fld id="{CC609147-96C1-144C-8BEA-2AD546402AA1}" type="datetimeFigureOut">
               <a:rPr lang="en-US" smtClean="0"/>
-              <a:t>12/4/23</a:t>
+              <a:t>12/5/23</a:t>
             </a:fld>
             <a:endParaRPr lang="en-US"/>
           </a:p>
@@ -1412,7 +1419,7 @@
           <a:p>
             <a:fld id="{CC609147-96C1-144C-8BEA-2AD546402AA1}" type="datetimeFigureOut">
               <a:rPr lang="en-US" smtClean="0"/>
-              <a:t>12/4/23</a:t>
+              <a:t>12/5/23</a:t>
             </a:fld>
             <a:endParaRPr lang="en-US"/>
           </a:p>
@@ -1827,7 +1834,7 @@
           <a:p>
             <a:fld id="{CC609147-96C1-144C-8BEA-2AD546402AA1}" type="datetimeFigureOut">
               <a:rPr lang="en-US" smtClean="0"/>
-              <a:t>12/4/23</a:t>
+              <a:t>12/5/23</a:t>
             </a:fld>
             <a:endParaRPr lang="en-US"/>
           </a:p>
@@ -1969,7 +1976,7 @@
           <a:p>
             <a:fld id="{CC609147-96C1-144C-8BEA-2AD546402AA1}" type="datetimeFigureOut">
               <a:rPr lang="en-US" smtClean="0"/>
-              <a:t>12/4/23</a:t>
+              <a:t>12/5/23</a:t>
             </a:fld>
             <a:endParaRPr lang="en-US"/>
           </a:p>
@@ -2082,7 +2089,7 @@
           <a:p>
             <a:fld id="{CC609147-96C1-144C-8BEA-2AD546402AA1}" type="datetimeFigureOut">
               <a:rPr lang="en-US" smtClean="0"/>
-              <a:t>12/4/23</a:t>
+              <a:t>12/5/23</a:t>
             </a:fld>
             <a:endParaRPr lang="en-US"/>
           </a:p>
@@ -2395,7 +2402,7 @@
           <a:p>
             <a:fld id="{CC609147-96C1-144C-8BEA-2AD546402AA1}" type="datetimeFigureOut">
               <a:rPr lang="en-US" smtClean="0"/>
-              <a:t>12/4/23</a:t>
+              <a:t>12/5/23</a:t>
             </a:fld>
             <a:endParaRPr lang="en-US"/>
           </a:p>
@@ -2684,7 +2691,7 @@
           <a:p>
             <a:fld id="{CC609147-96C1-144C-8BEA-2AD546402AA1}" type="datetimeFigureOut">
               <a:rPr lang="en-US" smtClean="0"/>
-              <a:t>12/4/23</a:t>
+              <a:t>12/5/23</a:t>
             </a:fld>
             <a:endParaRPr lang="en-US"/>
           </a:p>
@@ -2927,7 +2934,7 @@
           <a:p>
             <a:fld id="{CC609147-96C1-144C-8BEA-2AD546402AA1}" type="datetimeFigureOut">
               <a:rPr lang="en-US" smtClean="0"/>
-              <a:t>12/4/23</a:t>
+              <a:t>12/5/23</a:t>
             </a:fld>
             <a:endParaRPr lang="en-US"/>
           </a:p>
@@ -6006,6 +6013,1092 @@
 </p:sld>
 </file>
 
+<file path=ppt/slides/slide4.xml><?xml version="1.0" encoding="utf-8"?>
+<p:sld xmlns:a="http://schemas.openxmlformats.org/drawingml/2006/main" xmlns:r="http://schemas.openxmlformats.org/officeDocument/2006/relationships" xmlns:p="http://schemas.openxmlformats.org/presentationml/2006/main">
+  <p:cSld>
+    <p:spTree>
+      <p:nvGrpSpPr>
+        <p:cNvPr id="1" name=""/>
+        <p:cNvGrpSpPr/>
+        <p:nvPr/>
+      </p:nvGrpSpPr>
+      <p:grpSpPr>
+        <a:xfrm>
+          <a:off x="0" y="0"/>
+          <a:ext cx="0" cy="0"/>
+          <a:chOff x="0" y="0"/>
+          <a:chExt cx="0" cy="0"/>
+        </a:xfrm>
+      </p:grpSpPr>
+      <p:sp>
+        <p:nvSpPr>
+          <p:cNvPr id="2" name="Rectangle 1">
+            <a:extLst>
+              <a:ext uri="{FF2B5EF4-FFF2-40B4-BE49-F238E27FC236}">
+                <a16:creationId xmlns:a16="http://schemas.microsoft.com/office/drawing/2014/main" id="{6EEC259C-97B0-E6F1-6595-76410E955E2E}"/>
+              </a:ext>
+            </a:extLst>
+          </p:cNvPr>
+          <p:cNvSpPr/>
+          <p:nvPr/>
+        </p:nvSpPr>
+        <p:spPr>
+          <a:xfrm>
+            <a:off x="3538728" y="438912"/>
+            <a:ext cx="5358384" cy="6181344"/>
+          </a:xfrm>
+          <a:prstGeom prst="rect">
+            <a:avLst/>
+          </a:prstGeom>
+        </p:spPr>
+        <p:style>
+          <a:lnRef idx="2">
+            <a:schemeClr val="accent6"/>
+          </a:lnRef>
+          <a:fillRef idx="1">
+            <a:schemeClr val="lt1"/>
+          </a:fillRef>
+          <a:effectRef idx="0">
+            <a:schemeClr val="accent6"/>
+          </a:effectRef>
+          <a:fontRef idx="minor">
+            <a:schemeClr val="dk1"/>
+          </a:fontRef>
+        </p:style>
+        <p:txBody>
+          <a:bodyPr rtlCol="0" anchor="ctr"/>
+          <a:lstStyle/>
+          <a:p>
+            <a:pPr algn="ctr"/>
+            <a:endParaRPr lang="en-US"/>
+          </a:p>
+        </p:txBody>
+      </p:sp>
+      <p:sp>
+        <p:nvSpPr>
+          <p:cNvPr id="3" name="Rectangle 2">
+            <a:extLst>
+              <a:ext uri="{FF2B5EF4-FFF2-40B4-BE49-F238E27FC236}">
+                <a16:creationId xmlns:a16="http://schemas.microsoft.com/office/drawing/2014/main" id="{E745D9E9-FD7F-9992-A8D8-320DCECDCEC8}"/>
+              </a:ext>
+            </a:extLst>
+          </p:cNvPr>
+          <p:cNvSpPr/>
+          <p:nvPr/>
+        </p:nvSpPr>
+        <p:spPr>
+          <a:xfrm>
+            <a:off x="3721608" y="1152144"/>
+            <a:ext cx="4946904" cy="923544"/>
+          </a:xfrm>
+          <a:prstGeom prst="rect">
+            <a:avLst/>
+          </a:prstGeom>
+        </p:spPr>
+        <p:style>
+          <a:lnRef idx="2">
+            <a:schemeClr val="accent1">
+              <a:shade val="15000"/>
+            </a:schemeClr>
+          </a:lnRef>
+          <a:fillRef idx="1">
+            <a:schemeClr val="accent1"/>
+          </a:fillRef>
+          <a:effectRef idx="0">
+            <a:schemeClr val="accent1"/>
+          </a:effectRef>
+          <a:fontRef idx="minor">
+            <a:schemeClr val="lt1"/>
+          </a:fontRef>
+        </p:style>
+        <p:txBody>
+          <a:bodyPr rtlCol="0" anchor="ctr"/>
+          <a:lstStyle/>
+          <a:p>
+            <a:pPr algn="ctr"/>
+            <a:r>
+              <a:rPr lang="en-US" b="1" dirty="0"/>
+              <a:t>Active</a:t>
+            </a:r>
+          </a:p>
+        </p:txBody>
+      </p:sp>
+      <p:sp>
+        <p:nvSpPr>
+          <p:cNvPr id="4" name="Rectangle 3">
+            <a:extLst>
+              <a:ext uri="{FF2B5EF4-FFF2-40B4-BE49-F238E27FC236}">
+                <a16:creationId xmlns:a16="http://schemas.microsoft.com/office/drawing/2014/main" id="{9942921F-D6D6-43A0-2C86-C0C7929FFDD9}"/>
+              </a:ext>
+            </a:extLst>
+          </p:cNvPr>
+          <p:cNvSpPr/>
+          <p:nvPr/>
+        </p:nvSpPr>
+        <p:spPr>
+          <a:xfrm>
+            <a:off x="3744468" y="4632960"/>
+            <a:ext cx="4946904" cy="923544"/>
+          </a:xfrm>
+          <a:prstGeom prst="rect">
+            <a:avLst/>
+          </a:prstGeom>
+        </p:spPr>
+        <p:style>
+          <a:lnRef idx="2">
+            <a:schemeClr val="accent1">
+              <a:shade val="15000"/>
+            </a:schemeClr>
+          </a:lnRef>
+          <a:fillRef idx="1">
+            <a:schemeClr val="accent1"/>
+          </a:fillRef>
+          <a:effectRef idx="0">
+            <a:schemeClr val="accent1"/>
+          </a:effectRef>
+          <a:fontRef idx="minor">
+            <a:schemeClr val="lt1"/>
+          </a:fontRef>
+        </p:style>
+        <p:txBody>
+          <a:bodyPr rtlCol="0" anchor="ctr"/>
+          <a:lstStyle/>
+          <a:p>
+            <a:pPr algn="ctr"/>
+            <a:r>
+              <a:rPr lang="en-US" b="1" dirty="0"/>
+              <a:t>Background</a:t>
+            </a:r>
+          </a:p>
+        </p:txBody>
+      </p:sp>
+      <p:sp>
+        <p:nvSpPr>
+          <p:cNvPr id="5" name="Down Arrow 4">
+            <a:extLst>
+              <a:ext uri="{FF2B5EF4-FFF2-40B4-BE49-F238E27FC236}">
+                <a16:creationId xmlns:a16="http://schemas.microsoft.com/office/drawing/2014/main" id="{18AF99C9-6BC7-AFD6-1242-BFED26026D53}"/>
+              </a:ext>
+            </a:extLst>
+          </p:cNvPr>
+          <p:cNvSpPr/>
+          <p:nvPr/>
+        </p:nvSpPr>
+        <p:spPr>
+          <a:xfrm>
+            <a:off x="7452360" y="2075688"/>
+            <a:ext cx="512064" cy="2569464"/>
+          </a:xfrm>
+          <a:prstGeom prst="downArrow">
+            <a:avLst/>
+          </a:prstGeom>
+        </p:spPr>
+        <p:style>
+          <a:lnRef idx="2">
+            <a:schemeClr val="accent1">
+              <a:shade val="15000"/>
+            </a:schemeClr>
+          </a:lnRef>
+          <a:fillRef idx="1">
+            <a:schemeClr val="accent1"/>
+          </a:fillRef>
+          <a:effectRef idx="0">
+            <a:schemeClr val="accent1"/>
+          </a:effectRef>
+          <a:fontRef idx="minor">
+            <a:schemeClr val="lt1"/>
+          </a:fontRef>
+        </p:style>
+        <p:txBody>
+          <a:bodyPr rtlCol="0" anchor="ctr"/>
+          <a:lstStyle/>
+          <a:p>
+            <a:pPr algn="ctr"/>
+            <a:endParaRPr lang="en-US"/>
+          </a:p>
+        </p:txBody>
+      </p:sp>
+      <p:sp>
+        <p:nvSpPr>
+          <p:cNvPr id="6" name="Up Arrow 5">
+            <a:extLst>
+              <a:ext uri="{FF2B5EF4-FFF2-40B4-BE49-F238E27FC236}">
+                <a16:creationId xmlns:a16="http://schemas.microsoft.com/office/drawing/2014/main" id="{4114C0FE-C9D9-774A-63F9-4832D3623402}"/>
+              </a:ext>
+            </a:extLst>
+          </p:cNvPr>
+          <p:cNvSpPr/>
+          <p:nvPr/>
+        </p:nvSpPr>
+        <p:spPr>
+          <a:xfrm>
+            <a:off x="4306824" y="2069592"/>
+            <a:ext cx="493776" cy="2563368"/>
+          </a:xfrm>
+          <a:prstGeom prst="upArrow">
+            <a:avLst/>
+          </a:prstGeom>
+        </p:spPr>
+        <p:style>
+          <a:lnRef idx="2">
+            <a:schemeClr val="accent1">
+              <a:shade val="15000"/>
+            </a:schemeClr>
+          </a:lnRef>
+          <a:fillRef idx="1">
+            <a:schemeClr val="accent1"/>
+          </a:fillRef>
+          <a:effectRef idx="0">
+            <a:schemeClr val="accent1"/>
+          </a:effectRef>
+          <a:fontRef idx="minor">
+            <a:schemeClr val="lt1"/>
+          </a:fontRef>
+        </p:style>
+        <p:txBody>
+          <a:bodyPr rtlCol="0" anchor="ctr"/>
+          <a:lstStyle/>
+          <a:p>
+            <a:pPr algn="ctr"/>
+            <a:endParaRPr lang="en-US"/>
+          </a:p>
+        </p:txBody>
+      </p:sp>
+    </p:spTree>
+    <p:extLst>
+      <p:ext uri="{BB962C8B-B14F-4D97-AF65-F5344CB8AC3E}">
+        <p14:creationId xmlns:p14="http://schemas.microsoft.com/office/powerpoint/2010/main" val="118569085"/>
+      </p:ext>
+    </p:extLst>
+  </p:cSld>
+  <p:clrMapOvr>
+    <a:masterClrMapping/>
+  </p:clrMapOvr>
+</p:sld>
+</file>
+
+<file path=ppt/slides/slide5.xml><?xml version="1.0" encoding="utf-8"?>
+<p:sld xmlns:a="http://schemas.openxmlformats.org/drawingml/2006/main" xmlns:r="http://schemas.openxmlformats.org/officeDocument/2006/relationships" xmlns:p="http://schemas.openxmlformats.org/presentationml/2006/main">
+  <p:cSld>
+    <p:spTree>
+      <p:nvGrpSpPr>
+        <p:cNvPr id="1" name=""/>
+        <p:cNvGrpSpPr/>
+        <p:nvPr/>
+      </p:nvGrpSpPr>
+      <p:grpSpPr>
+        <a:xfrm>
+          <a:off x="0" y="0"/>
+          <a:ext cx="0" cy="0"/>
+          <a:chOff x="0" y="0"/>
+          <a:chExt cx="0" cy="0"/>
+        </a:xfrm>
+      </p:grpSpPr>
+      <p:sp>
+        <p:nvSpPr>
+          <p:cNvPr id="2" name="Rectangle 1">
+            <a:extLst>
+              <a:ext uri="{FF2B5EF4-FFF2-40B4-BE49-F238E27FC236}">
+                <a16:creationId xmlns:a16="http://schemas.microsoft.com/office/drawing/2014/main" id="{53C59BD5-C63F-87C6-CE22-4DFD8BB196D3}"/>
+              </a:ext>
+            </a:extLst>
+          </p:cNvPr>
+          <p:cNvSpPr/>
+          <p:nvPr/>
+        </p:nvSpPr>
+        <p:spPr>
+          <a:xfrm>
+            <a:off x="859536" y="1728216"/>
+            <a:ext cx="2267712" cy="1956816"/>
+          </a:xfrm>
+          <a:prstGeom prst="rect">
+            <a:avLst/>
+          </a:prstGeom>
+        </p:spPr>
+        <p:style>
+          <a:lnRef idx="2">
+            <a:schemeClr val="accent1">
+              <a:shade val="15000"/>
+            </a:schemeClr>
+          </a:lnRef>
+          <a:fillRef idx="1">
+            <a:schemeClr val="accent1"/>
+          </a:fillRef>
+          <a:effectRef idx="0">
+            <a:schemeClr val="accent1"/>
+          </a:effectRef>
+          <a:fontRef idx="minor">
+            <a:schemeClr val="lt1"/>
+          </a:fontRef>
+        </p:style>
+        <p:txBody>
+          <a:bodyPr rtlCol="0" anchor="ctr"/>
+          <a:lstStyle/>
+          <a:p>
+            <a:pPr algn="ctr"/>
+            <a:r>
+              <a:rPr lang="en-US" dirty="0"/>
+              <a:t>App Code</a:t>
+            </a:r>
+          </a:p>
+        </p:txBody>
+      </p:sp>
+      <p:sp>
+        <p:nvSpPr>
+          <p:cNvPr id="3" name="Rectangle 2">
+            <a:extLst>
+              <a:ext uri="{FF2B5EF4-FFF2-40B4-BE49-F238E27FC236}">
+                <a16:creationId xmlns:a16="http://schemas.microsoft.com/office/drawing/2014/main" id="{54F6F058-2091-8340-90E9-530460ACFCF3}"/>
+              </a:ext>
+            </a:extLst>
+          </p:cNvPr>
+          <p:cNvSpPr/>
+          <p:nvPr/>
+        </p:nvSpPr>
+        <p:spPr>
+          <a:xfrm>
+            <a:off x="4834128" y="1728216"/>
+            <a:ext cx="2267712" cy="1956816"/>
+          </a:xfrm>
+          <a:prstGeom prst="rect">
+            <a:avLst/>
+          </a:prstGeom>
+        </p:spPr>
+        <p:style>
+          <a:lnRef idx="2">
+            <a:schemeClr val="accent1">
+              <a:shade val="15000"/>
+            </a:schemeClr>
+          </a:lnRef>
+          <a:fillRef idx="1">
+            <a:schemeClr val="accent1"/>
+          </a:fillRef>
+          <a:effectRef idx="0">
+            <a:schemeClr val="accent1"/>
+          </a:effectRef>
+          <a:fontRef idx="minor">
+            <a:schemeClr val="lt1"/>
+          </a:fontRef>
+        </p:style>
+        <p:txBody>
+          <a:bodyPr rtlCol="0" anchor="ctr"/>
+          <a:lstStyle/>
+          <a:p>
+            <a:pPr algn="ctr"/>
+            <a:r>
+              <a:rPr lang="en-US" dirty="0"/>
+              <a:t>React Native Bundling Package</a:t>
+            </a:r>
+          </a:p>
+        </p:txBody>
+      </p:sp>
+      <p:sp>
+        <p:nvSpPr>
+          <p:cNvPr id="4" name="Rectangle 3">
+            <a:extLst>
+              <a:ext uri="{FF2B5EF4-FFF2-40B4-BE49-F238E27FC236}">
+                <a16:creationId xmlns:a16="http://schemas.microsoft.com/office/drawing/2014/main" id="{85ECB6DF-701B-EC37-6BB1-1FD57C688338}"/>
+              </a:ext>
+            </a:extLst>
+          </p:cNvPr>
+          <p:cNvSpPr/>
+          <p:nvPr/>
+        </p:nvSpPr>
+        <p:spPr>
+          <a:xfrm>
+            <a:off x="8616696" y="1728216"/>
+            <a:ext cx="2267712" cy="1956816"/>
+          </a:xfrm>
+          <a:prstGeom prst="rect">
+            <a:avLst/>
+          </a:prstGeom>
+        </p:spPr>
+        <p:style>
+          <a:lnRef idx="2">
+            <a:schemeClr val="accent1">
+              <a:shade val="15000"/>
+            </a:schemeClr>
+          </a:lnRef>
+          <a:fillRef idx="1">
+            <a:schemeClr val="accent1"/>
+          </a:fillRef>
+          <a:effectRef idx="0">
+            <a:schemeClr val="accent1"/>
+          </a:effectRef>
+          <a:fontRef idx="minor">
+            <a:schemeClr val="lt1"/>
+          </a:fontRef>
+        </p:style>
+        <p:txBody>
+          <a:bodyPr rtlCol="0" anchor="ctr"/>
+          <a:lstStyle/>
+          <a:p>
+            <a:pPr algn="ctr"/>
+            <a:r>
+              <a:rPr lang="en-US" dirty="0"/>
+              <a:t>JSI Interfaces</a:t>
+            </a:r>
+          </a:p>
+          <a:p>
+            <a:pPr algn="ctr"/>
+            <a:endParaRPr lang="en-US" dirty="0"/>
+          </a:p>
+          <a:p>
+            <a:pPr algn="ctr"/>
+            <a:endParaRPr lang="en-US" dirty="0"/>
+          </a:p>
+          <a:p>
+            <a:pPr algn="ctr"/>
+            <a:endParaRPr lang="en-US" dirty="0"/>
+          </a:p>
+          <a:p>
+            <a:pPr algn="ctr"/>
+            <a:endParaRPr lang="en-US" dirty="0"/>
+          </a:p>
+          <a:p>
+            <a:pPr algn="ctr"/>
+            <a:endParaRPr lang="en-US" dirty="0"/>
+          </a:p>
+          <a:p>
+            <a:pPr algn="ctr"/>
+            <a:endParaRPr lang="en-US" dirty="0"/>
+          </a:p>
+        </p:txBody>
+      </p:sp>
+      <p:sp>
+        <p:nvSpPr>
+          <p:cNvPr id="5" name="Rectangle 4">
+            <a:extLst>
+              <a:ext uri="{FF2B5EF4-FFF2-40B4-BE49-F238E27FC236}">
+                <a16:creationId xmlns:a16="http://schemas.microsoft.com/office/drawing/2014/main" id="{1F301E14-E180-0D4C-89F8-6532C26F347A}"/>
+              </a:ext>
+            </a:extLst>
+          </p:cNvPr>
+          <p:cNvSpPr/>
+          <p:nvPr/>
+        </p:nvSpPr>
+        <p:spPr>
+          <a:xfrm>
+            <a:off x="5833872" y="4642104"/>
+            <a:ext cx="2267712" cy="1956816"/>
+          </a:xfrm>
+          <a:prstGeom prst="rect">
+            <a:avLst/>
+          </a:prstGeom>
+        </p:spPr>
+        <p:style>
+          <a:lnRef idx="2">
+            <a:schemeClr val="accent1">
+              <a:shade val="15000"/>
+            </a:schemeClr>
+          </a:lnRef>
+          <a:fillRef idx="1">
+            <a:schemeClr val="accent1"/>
+          </a:fillRef>
+          <a:effectRef idx="0">
+            <a:schemeClr val="accent1"/>
+          </a:effectRef>
+          <a:fontRef idx="minor">
+            <a:schemeClr val="lt1"/>
+          </a:fontRef>
+        </p:style>
+        <p:txBody>
+          <a:bodyPr rtlCol="0" anchor="ctr"/>
+          <a:lstStyle/>
+          <a:p>
+            <a:pPr algn="ctr"/>
+            <a:r>
+              <a:rPr lang="en-US" dirty="0"/>
+              <a:t>Android / iOS</a:t>
+            </a:r>
+          </a:p>
+          <a:p>
+            <a:pPr algn="ctr"/>
+            <a:r>
+              <a:rPr lang="en-US" dirty="0"/>
+              <a:t>Native Platform Interfaces</a:t>
+            </a:r>
+          </a:p>
+        </p:txBody>
+      </p:sp>
+      <p:sp>
+        <p:nvSpPr>
+          <p:cNvPr id="6" name="Rectangle 5">
+            <a:extLst>
+              <a:ext uri="{FF2B5EF4-FFF2-40B4-BE49-F238E27FC236}">
+                <a16:creationId xmlns:a16="http://schemas.microsoft.com/office/drawing/2014/main" id="{49B82E36-EFCF-060A-B86D-864ECF9D8BFB}"/>
+              </a:ext>
+            </a:extLst>
+          </p:cNvPr>
+          <p:cNvSpPr/>
+          <p:nvPr/>
+        </p:nvSpPr>
+        <p:spPr>
+          <a:xfrm>
+            <a:off x="9104376" y="4642104"/>
+            <a:ext cx="2267712" cy="1956816"/>
+          </a:xfrm>
+          <a:prstGeom prst="rect">
+            <a:avLst/>
+          </a:prstGeom>
+        </p:spPr>
+        <p:style>
+          <a:lnRef idx="2">
+            <a:schemeClr val="accent1">
+              <a:shade val="15000"/>
+            </a:schemeClr>
+          </a:lnRef>
+          <a:fillRef idx="1">
+            <a:schemeClr val="accent1"/>
+          </a:fillRef>
+          <a:effectRef idx="0">
+            <a:schemeClr val="accent1"/>
+          </a:effectRef>
+          <a:fontRef idx="minor">
+            <a:schemeClr val="lt1"/>
+          </a:fontRef>
+        </p:style>
+        <p:txBody>
+          <a:bodyPr rtlCol="0" anchor="ctr"/>
+          <a:lstStyle/>
+          <a:p>
+            <a:pPr algn="ctr"/>
+            <a:r>
+              <a:rPr lang="en-US" dirty="0"/>
+              <a:t>Hardware</a:t>
+            </a:r>
+          </a:p>
+        </p:txBody>
+      </p:sp>
+      <p:cxnSp>
+        <p:nvCxnSpPr>
+          <p:cNvPr id="8" name="Elbow Connector 7">
+            <a:extLst>
+              <a:ext uri="{FF2B5EF4-FFF2-40B4-BE49-F238E27FC236}">
+                <a16:creationId xmlns:a16="http://schemas.microsoft.com/office/drawing/2014/main" id="{74E22A7E-EB21-7C34-0E60-5A1A339EC16F}"/>
+              </a:ext>
+            </a:extLst>
+          </p:cNvPr>
+          <p:cNvCxnSpPr>
+            <a:cxnSpLocks/>
+            <a:stCxn id="2" idx="3"/>
+            <a:endCxn id="3" idx="0"/>
+          </p:cNvCxnSpPr>
+          <p:nvPr/>
+        </p:nvCxnSpPr>
+        <p:spPr>
+          <a:xfrm flipV="1">
+            <a:off x="3127248" y="1728216"/>
+            <a:ext cx="2840736" cy="978408"/>
+          </a:xfrm>
+          <a:prstGeom prst="bentConnector4">
+            <a:avLst>
+              <a:gd name="adj1" fmla="val 30043"/>
+              <a:gd name="adj2" fmla="val 123364"/>
+            </a:avLst>
+          </a:prstGeom>
+          <a:ln>
+            <a:tailEnd type="triangle"/>
+          </a:ln>
+        </p:spPr>
+        <p:style>
+          <a:lnRef idx="1">
+            <a:schemeClr val="accent1"/>
+          </a:lnRef>
+          <a:fillRef idx="0">
+            <a:schemeClr val="accent1"/>
+          </a:fillRef>
+          <a:effectRef idx="0">
+            <a:schemeClr val="accent1"/>
+          </a:effectRef>
+          <a:fontRef idx="minor">
+            <a:schemeClr val="tx1"/>
+          </a:fontRef>
+        </p:style>
+      </p:cxnSp>
+      <p:cxnSp>
+        <p:nvCxnSpPr>
+          <p:cNvPr id="11" name="Elbow Connector 10">
+            <a:extLst>
+              <a:ext uri="{FF2B5EF4-FFF2-40B4-BE49-F238E27FC236}">
+                <a16:creationId xmlns:a16="http://schemas.microsoft.com/office/drawing/2014/main" id="{1E808E40-C13D-28E6-1E9D-A60201BB6F62}"/>
+              </a:ext>
+            </a:extLst>
+          </p:cNvPr>
+          <p:cNvCxnSpPr>
+            <a:stCxn id="3" idx="3"/>
+            <a:endCxn id="4" idx="0"/>
+          </p:cNvCxnSpPr>
+          <p:nvPr/>
+        </p:nvCxnSpPr>
+        <p:spPr>
+          <a:xfrm flipV="1">
+            <a:off x="7101840" y="1728216"/>
+            <a:ext cx="2648712" cy="978408"/>
+          </a:xfrm>
+          <a:prstGeom prst="bentConnector4">
+            <a:avLst>
+              <a:gd name="adj1" fmla="val 28596"/>
+              <a:gd name="adj2" fmla="val 123364"/>
+            </a:avLst>
+          </a:prstGeom>
+          <a:ln>
+            <a:tailEnd type="triangle"/>
+          </a:ln>
+        </p:spPr>
+        <p:style>
+          <a:lnRef idx="1">
+            <a:schemeClr val="accent1"/>
+          </a:lnRef>
+          <a:fillRef idx="0">
+            <a:schemeClr val="accent1"/>
+          </a:fillRef>
+          <a:effectRef idx="0">
+            <a:schemeClr val="accent1"/>
+          </a:effectRef>
+          <a:fontRef idx="minor">
+            <a:schemeClr val="tx1"/>
+          </a:fontRef>
+        </p:style>
+      </p:cxnSp>
+      <p:sp>
+        <p:nvSpPr>
+          <p:cNvPr id="12" name="TextBox 11">
+            <a:extLst>
+              <a:ext uri="{FF2B5EF4-FFF2-40B4-BE49-F238E27FC236}">
+                <a16:creationId xmlns:a16="http://schemas.microsoft.com/office/drawing/2014/main" id="{4D9B0CD2-EF2A-5404-7A94-3B7E75EB6C50}"/>
+              </a:ext>
+            </a:extLst>
+          </p:cNvPr>
+          <p:cNvSpPr txBox="1"/>
+          <p:nvPr/>
+        </p:nvSpPr>
+        <p:spPr>
+          <a:xfrm>
+            <a:off x="949452" y="155448"/>
+            <a:ext cx="9934956" cy="646331"/>
+          </a:xfrm>
+          <a:prstGeom prst="rect">
+            <a:avLst/>
+          </a:prstGeom>
+          <a:noFill/>
+        </p:spPr>
+        <p:txBody>
+          <a:bodyPr wrap="square" rtlCol="0">
+            <a:spAutoFit/>
+          </a:bodyPr>
+          <a:lstStyle/>
+          <a:p>
+            <a:pPr algn="ctr"/>
+            <a:r>
+              <a:rPr lang="en-US" b="1" dirty="0"/>
+              <a:t>JavaScript Object Model</a:t>
+            </a:r>
+          </a:p>
+          <a:p>
+            <a:pPr algn="ctr"/>
+            <a:r>
+              <a:rPr lang="en-US" b="1" dirty="0"/>
+              <a:t>1. Application State and Niche H/W Access</a:t>
+            </a:r>
+          </a:p>
+        </p:txBody>
+      </p:sp>
+      <p:cxnSp>
+        <p:nvCxnSpPr>
+          <p:cNvPr id="14" name="Elbow Connector 13">
+            <a:extLst>
+              <a:ext uri="{FF2B5EF4-FFF2-40B4-BE49-F238E27FC236}">
+                <a16:creationId xmlns:a16="http://schemas.microsoft.com/office/drawing/2014/main" id="{0F9F7A2E-BF6F-6EFE-4EDA-5D05A721BB6F}"/>
+              </a:ext>
+            </a:extLst>
+          </p:cNvPr>
+          <p:cNvCxnSpPr>
+            <a:stCxn id="4" idx="2"/>
+            <a:endCxn id="5" idx="1"/>
+          </p:cNvCxnSpPr>
+          <p:nvPr/>
+        </p:nvCxnSpPr>
+        <p:spPr>
+          <a:xfrm rot="5400000">
+            <a:off x="6824472" y="2694432"/>
+            <a:ext cx="1935480" cy="3916680"/>
+          </a:xfrm>
+          <a:prstGeom prst="bentConnector4">
+            <a:avLst>
+              <a:gd name="adj1" fmla="val 24724"/>
+              <a:gd name="adj2" fmla="val 105837"/>
+            </a:avLst>
+          </a:prstGeom>
+          <a:ln>
+            <a:tailEnd type="triangle"/>
+          </a:ln>
+        </p:spPr>
+        <p:style>
+          <a:lnRef idx="1">
+            <a:schemeClr val="accent1"/>
+          </a:lnRef>
+          <a:fillRef idx="0">
+            <a:schemeClr val="accent1"/>
+          </a:fillRef>
+          <a:effectRef idx="0">
+            <a:schemeClr val="accent1"/>
+          </a:effectRef>
+          <a:fontRef idx="minor">
+            <a:schemeClr val="tx1"/>
+          </a:fontRef>
+        </p:style>
+      </p:cxnSp>
+      <p:cxnSp>
+        <p:nvCxnSpPr>
+          <p:cNvPr id="16" name="Elbow Connector 15">
+            <a:extLst>
+              <a:ext uri="{FF2B5EF4-FFF2-40B4-BE49-F238E27FC236}">
+                <a16:creationId xmlns:a16="http://schemas.microsoft.com/office/drawing/2014/main" id="{EB81939D-3A7B-C472-1E4E-0EB238B40CA2}"/>
+              </a:ext>
+            </a:extLst>
+          </p:cNvPr>
+          <p:cNvCxnSpPr>
+            <a:stCxn id="5" idx="3"/>
+            <a:endCxn id="6" idx="0"/>
+          </p:cNvCxnSpPr>
+          <p:nvPr/>
+        </p:nvCxnSpPr>
+        <p:spPr>
+          <a:xfrm flipV="1">
+            <a:off x="8101584" y="4642104"/>
+            <a:ext cx="2136648" cy="978408"/>
+          </a:xfrm>
+          <a:prstGeom prst="bentConnector4">
+            <a:avLst>
+              <a:gd name="adj1" fmla="val 23466"/>
+              <a:gd name="adj2" fmla="val 123364"/>
+            </a:avLst>
+          </a:prstGeom>
+          <a:ln>
+            <a:tailEnd type="triangle"/>
+          </a:ln>
+        </p:spPr>
+        <p:style>
+          <a:lnRef idx="1">
+            <a:schemeClr val="accent1"/>
+          </a:lnRef>
+          <a:fillRef idx="0">
+            <a:schemeClr val="accent1"/>
+          </a:fillRef>
+          <a:effectRef idx="0">
+            <a:schemeClr val="accent1"/>
+          </a:effectRef>
+          <a:fontRef idx="minor">
+            <a:schemeClr val="tx1"/>
+          </a:fontRef>
+        </p:style>
+      </p:cxnSp>
+      <p:sp>
+        <p:nvSpPr>
+          <p:cNvPr id="17" name="Left Brace 16">
+            <a:extLst>
+              <a:ext uri="{FF2B5EF4-FFF2-40B4-BE49-F238E27FC236}">
+                <a16:creationId xmlns:a16="http://schemas.microsoft.com/office/drawing/2014/main" id="{0F5F5D34-89DE-B2AE-D050-5E735DED46A0}"/>
+              </a:ext>
+            </a:extLst>
+          </p:cNvPr>
+          <p:cNvSpPr/>
+          <p:nvPr/>
+        </p:nvSpPr>
+        <p:spPr>
+          <a:xfrm>
+            <a:off x="4212336" y="4023360"/>
+            <a:ext cx="880872" cy="2679192"/>
+          </a:xfrm>
+          <a:prstGeom prst="leftBrace">
+            <a:avLst/>
+          </a:prstGeom>
+        </p:spPr>
+        <p:style>
+          <a:lnRef idx="1">
+            <a:schemeClr val="accent1"/>
+          </a:lnRef>
+          <a:fillRef idx="0">
+            <a:schemeClr val="accent1"/>
+          </a:fillRef>
+          <a:effectRef idx="0">
+            <a:schemeClr val="accent1"/>
+          </a:effectRef>
+          <a:fontRef idx="minor">
+            <a:schemeClr val="tx1"/>
+          </a:fontRef>
+        </p:style>
+        <p:txBody>
+          <a:bodyPr rtlCol="0" anchor="ctr"/>
+          <a:lstStyle/>
+          <a:p>
+            <a:pPr algn="ctr"/>
+            <a:endParaRPr lang="en-US"/>
+          </a:p>
+        </p:txBody>
+      </p:sp>
+      <p:sp>
+        <p:nvSpPr>
+          <p:cNvPr id="18" name="TextBox 17">
+            <a:extLst>
+              <a:ext uri="{FF2B5EF4-FFF2-40B4-BE49-F238E27FC236}">
+                <a16:creationId xmlns:a16="http://schemas.microsoft.com/office/drawing/2014/main" id="{EA44F8D0-27C0-C576-5624-66CE78183140}"/>
+              </a:ext>
+            </a:extLst>
+          </p:cNvPr>
+          <p:cNvSpPr txBox="1"/>
+          <p:nvPr/>
+        </p:nvSpPr>
+        <p:spPr>
+          <a:xfrm>
+            <a:off x="1133856" y="5129784"/>
+            <a:ext cx="3078480" cy="369332"/>
+          </a:xfrm>
+          <a:prstGeom prst="rect">
+            <a:avLst/>
+          </a:prstGeom>
+          <a:noFill/>
+        </p:spPr>
+        <p:txBody>
+          <a:bodyPr wrap="square" rtlCol="0">
+            <a:spAutoFit/>
+          </a:bodyPr>
+          <a:lstStyle/>
+          <a:p>
+            <a:pPr algn="ctr"/>
+            <a:r>
+              <a:rPr lang="en-US" b="1" dirty="0"/>
+              <a:t>Native Platform Services</a:t>
+            </a:r>
+          </a:p>
+        </p:txBody>
+      </p:sp>
+      <p:cxnSp>
+        <p:nvCxnSpPr>
+          <p:cNvPr id="20" name="Elbow Connector 19">
+            <a:extLst>
+              <a:ext uri="{FF2B5EF4-FFF2-40B4-BE49-F238E27FC236}">
+                <a16:creationId xmlns:a16="http://schemas.microsoft.com/office/drawing/2014/main" id="{F06A1487-477C-41AD-FB24-36728FEAA803}"/>
+              </a:ext>
+            </a:extLst>
+          </p:cNvPr>
+          <p:cNvCxnSpPr>
+            <a:stCxn id="12" idx="2"/>
+            <a:endCxn id="18" idx="0"/>
+          </p:cNvCxnSpPr>
+          <p:nvPr/>
+        </p:nvCxnSpPr>
+        <p:spPr>
+          <a:xfrm rot="5400000">
+            <a:off x="2131011" y="1343864"/>
+            <a:ext cx="4328005" cy="3243834"/>
+          </a:xfrm>
+          <a:prstGeom prst="bentConnector3">
+            <a:avLst>
+              <a:gd name="adj1" fmla="val 77465"/>
+            </a:avLst>
+          </a:prstGeom>
+          <a:ln w="76200">
+            <a:solidFill>
+              <a:srgbClr val="C00000"/>
+            </a:solidFill>
+            <a:tailEnd type="triangle"/>
+          </a:ln>
+        </p:spPr>
+        <p:style>
+          <a:lnRef idx="1">
+            <a:schemeClr val="accent1"/>
+          </a:lnRef>
+          <a:fillRef idx="0">
+            <a:schemeClr val="accent1"/>
+          </a:fillRef>
+          <a:effectRef idx="0">
+            <a:schemeClr val="accent1"/>
+          </a:effectRef>
+          <a:fontRef idx="minor">
+            <a:schemeClr val="tx1"/>
+          </a:fontRef>
+        </p:style>
+      </p:cxnSp>
+      <p:sp>
+        <p:nvSpPr>
+          <p:cNvPr id="23" name="TextBox 22">
+            <a:extLst>
+              <a:ext uri="{FF2B5EF4-FFF2-40B4-BE49-F238E27FC236}">
+                <a16:creationId xmlns:a16="http://schemas.microsoft.com/office/drawing/2014/main" id="{8C4D9D2F-C579-9F30-0028-563FABE45AD3}"/>
+              </a:ext>
+            </a:extLst>
+          </p:cNvPr>
+          <p:cNvSpPr txBox="1"/>
+          <p:nvPr/>
+        </p:nvSpPr>
+        <p:spPr>
+          <a:xfrm>
+            <a:off x="8808720" y="2029968"/>
+            <a:ext cx="2008632" cy="1384995"/>
+          </a:xfrm>
+          <a:prstGeom prst="rect">
+            <a:avLst/>
+          </a:prstGeom>
+          <a:noFill/>
+        </p:spPr>
+        <p:txBody>
+          <a:bodyPr wrap="square" rtlCol="0">
+            <a:spAutoFit/>
+          </a:bodyPr>
+          <a:lstStyle/>
+          <a:p>
+            <a:pPr marL="285750" indent="-285750">
+              <a:buFont typeface="Arial" panose="020B0604020202020204" pitchFamily="34" charset="0"/>
+              <a:buChar char="•"/>
+            </a:pPr>
+            <a:r>
+              <a:rPr lang="en-US" sz="1200" dirty="0">
+                <a:solidFill>
+                  <a:srgbClr val="FFFF00"/>
+                </a:solidFill>
+              </a:rPr>
+              <a:t>File Access</a:t>
+            </a:r>
+          </a:p>
+          <a:p>
+            <a:pPr marL="285750" indent="-285750">
+              <a:buFont typeface="Arial" panose="020B0604020202020204" pitchFamily="34" charset="0"/>
+              <a:buChar char="•"/>
+            </a:pPr>
+            <a:r>
+              <a:rPr lang="en-US" sz="1200" dirty="0">
+                <a:solidFill>
+                  <a:srgbClr val="FFFF00"/>
+                </a:solidFill>
+              </a:rPr>
+              <a:t>Device Sensors</a:t>
+            </a:r>
+          </a:p>
+          <a:p>
+            <a:pPr marL="285750" indent="-285750">
+              <a:buFont typeface="Arial" panose="020B0604020202020204" pitchFamily="34" charset="0"/>
+              <a:buChar char="•"/>
+            </a:pPr>
+            <a:r>
+              <a:rPr lang="en-US" sz="1200" dirty="0">
+                <a:solidFill>
+                  <a:srgbClr val="FFFF00"/>
+                </a:solidFill>
+              </a:rPr>
+              <a:t>Device specific Resources</a:t>
+            </a:r>
+          </a:p>
+          <a:p>
+            <a:pPr marL="742950" lvl="1" indent="-285750">
+              <a:buFont typeface="Arial" panose="020B0604020202020204" pitchFamily="34" charset="0"/>
+              <a:buChar char="•"/>
+            </a:pPr>
+            <a:r>
+              <a:rPr lang="en-US" sz="1200" dirty="0">
+                <a:solidFill>
+                  <a:srgbClr val="FFFF00"/>
+                </a:solidFill>
+              </a:rPr>
+              <a:t>Contact</a:t>
+            </a:r>
+          </a:p>
+          <a:p>
+            <a:pPr marL="742950" lvl="1" indent="-285750">
+              <a:buFont typeface="Arial" panose="020B0604020202020204" pitchFamily="34" charset="0"/>
+              <a:buChar char="•"/>
+            </a:pPr>
+            <a:r>
+              <a:rPr lang="en-US" sz="1200" dirty="0">
+                <a:solidFill>
+                  <a:srgbClr val="FFFF00"/>
+                </a:solidFill>
+              </a:rPr>
+              <a:t>SMS</a:t>
+            </a:r>
+          </a:p>
+          <a:p>
+            <a:pPr marL="742950" lvl="1" indent="-285750">
+              <a:buFont typeface="Arial" panose="020B0604020202020204" pitchFamily="34" charset="0"/>
+              <a:buChar char="•"/>
+            </a:pPr>
+            <a:r>
+              <a:rPr lang="en-US" sz="1200" dirty="0">
+                <a:solidFill>
+                  <a:srgbClr val="FFFF00"/>
+                </a:solidFill>
+              </a:rPr>
+              <a:t>Camera</a:t>
+            </a:r>
+          </a:p>
+        </p:txBody>
+      </p:sp>
+      <p:sp>
+        <p:nvSpPr>
+          <p:cNvPr id="24" name="Rectangle 23">
+            <a:extLst>
+              <a:ext uri="{FF2B5EF4-FFF2-40B4-BE49-F238E27FC236}">
+                <a16:creationId xmlns:a16="http://schemas.microsoft.com/office/drawing/2014/main" id="{096DFA70-52A9-47E9-6F25-8C8BA5EE753A}"/>
+              </a:ext>
+            </a:extLst>
+          </p:cNvPr>
+          <p:cNvSpPr/>
+          <p:nvPr/>
+        </p:nvSpPr>
+        <p:spPr>
+          <a:xfrm>
+            <a:off x="8540496" y="3414963"/>
+            <a:ext cx="2496312" cy="480381"/>
+          </a:xfrm>
+          <a:prstGeom prst="rect">
+            <a:avLst/>
+          </a:prstGeom>
+          <a:solidFill>
+            <a:schemeClr val="accent2"/>
+          </a:solidFill>
+        </p:spPr>
+        <p:style>
+          <a:lnRef idx="2">
+            <a:schemeClr val="accent1">
+              <a:shade val="15000"/>
+            </a:schemeClr>
+          </a:lnRef>
+          <a:fillRef idx="1">
+            <a:schemeClr val="accent1"/>
+          </a:fillRef>
+          <a:effectRef idx="0">
+            <a:schemeClr val="accent1"/>
+          </a:effectRef>
+          <a:fontRef idx="minor">
+            <a:schemeClr val="lt1"/>
+          </a:fontRef>
+        </p:style>
+        <p:txBody>
+          <a:bodyPr rtlCol="0" anchor="ctr"/>
+          <a:lstStyle/>
+          <a:p>
+            <a:pPr algn="ctr"/>
+            <a:r>
+              <a:rPr lang="en-US" b="1" dirty="0"/>
+              <a:t>Turbo Modules</a:t>
+            </a:r>
+          </a:p>
+        </p:txBody>
+      </p:sp>
+    </p:spTree>
+    <p:extLst>
+      <p:ext uri="{BB962C8B-B14F-4D97-AF65-F5344CB8AC3E}">
+        <p14:creationId xmlns:p14="http://schemas.microsoft.com/office/powerpoint/2010/main" val="4173526238"/>
+      </p:ext>
+    </p:extLst>
+  </p:cSld>
+  <p:clrMapOvr>
+    <a:masterClrMapping/>
+  </p:clrMapOvr>
+</p:sld>
+</file>
+
 <file path=ppt/theme/theme1.xml><?xml version="1.0" encoding="utf-8"?>
 <a:theme xmlns:a="http://schemas.openxmlformats.org/drawingml/2006/main" name="Office Theme">
   <a:themeElements>

--- a/Images.pptx
+++ b/Images.pptx
@@ -10,6 +10,8 @@
     <p:sldId id="258" r:id="rId4"/>
     <p:sldId id="259" r:id="rId5"/>
     <p:sldId id="260" r:id="rId6"/>
+    <p:sldId id="261" r:id="rId7"/>
+    <p:sldId id="262" r:id="rId8"/>
   </p:sldIdLst>
   <p:sldSz cx="12192000" cy="6858000"/>
   <p:notesSz cx="6858000" cy="9144000"/>
@@ -265,7 +267,7 @@
           <a:p>
             <a:fld id="{CC609147-96C1-144C-8BEA-2AD546402AA1}" type="datetimeFigureOut">
               <a:rPr lang="en-US" smtClean="0"/>
-              <a:t>12/5/23</a:t>
+              <a:t>12/7/23</a:t>
             </a:fld>
             <a:endParaRPr lang="en-US"/>
           </a:p>
@@ -465,7 +467,7 @@
           <a:p>
             <a:fld id="{CC609147-96C1-144C-8BEA-2AD546402AA1}" type="datetimeFigureOut">
               <a:rPr lang="en-US" smtClean="0"/>
-              <a:t>12/5/23</a:t>
+              <a:t>12/7/23</a:t>
             </a:fld>
             <a:endParaRPr lang="en-US"/>
           </a:p>
@@ -675,7 +677,7 @@
           <a:p>
             <a:fld id="{CC609147-96C1-144C-8BEA-2AD546402AA1}" type="datetimeFigureOut">
               <a:rPr lang="en-US" smtClean="0"/>
-              <a:t>12/5/23</a:t>
+              <a:t>12/7/23</a:t>
             </a:fld>
             <a:endParaRPr lang="en-US"/>
           </a:p>
@@ -875,7 +877,7 @@
           <a:p>
             <a:fld id="{CC609147-96C1-144C-8BEA-2AD546402AA1}" type="datetimeFigureOut">
               <a:rPr lang="en-US" smtClean="0"/>
-              <a:t>12/5/23</a:t>
+              <a:t>12/7/23</a:t>
             </a:fld>
             <a:endParaRPr lang="en-US"/>
           </a:p>
@@ -1151,7 +1153,7 @@
           <a:p>
             <a:fld id="{CC609147-96C1-144C-8BEA-2AD546402AA1}" type="datetimeFigureOut">
               <a:rPr lang="en-US" smtClean="0"/>
-              <a:t>12/5/23</a:t>
+              <a:t>12/7/23</a:t>
             </a:fld>
             <a:endParaRPr lang="en-US"/>
           </a:p>
@@ -1419,7 +1421,7 @@
           <a:p>
             <a:fld id="{CC609147-96C1-144C-8BEA-2AD546402AA1}" type="datetimeFigureOut">
               <a:rPr lang="en-US" smtClean="0"/>
-              <a:t>12/5/23</a:t>
+              <a:t>12/7/23</a:t>
             </a:fld>
             <a:endParaRPr lang="en-US"/>
           </a:p>
@@ -1834,7 +1836,7 @@
           <a:p>
             <a:fld id="{CC609147-96C1-144C-8BEA-2AD546402AA1}" type="datetimeFigureOut">
               <a:rPr lang="en-US" smtClean="0"/>
-              <a:t>12/5/23</a:t>
+              <a:t>12/7/23</a:t>
             </a:fld>
             <a:endParaRPr lang="en-US"/>
           </a:p>
@@ -1976,7 +1978,7 @@
           <a:p>
             <a:fld id="{CC609147-96C1-144C-8BEA-2AD546402AA1}" type="datetimeFigureOut">
               <a:rPr lang="en-US" smtClean="0"/>
-              <a:t>12/5/23</a:t>
+              <a:t>12/7/23</a:t>
             </a:fld>
             <a:endParaRPr lang="en-US"/>
           </a:p>
@@ -2089,7 +2091,7 @@
           <a:p>
             <a:fld id="{CC609147-96C1-144C-8BEA-2AD546402AA1}" type="datetimeFigureOut">
               <a:rPr lang="en-US" smtClean="0"/>
-              <a:t>12/5/23</a:t>
+              <a:t>12/7/23</a:t>
             </a:fld>
             <a:endParaRPr lang="en-US"/>
           </a:p>
@@ -2402,7 +2404,7 @@
           <a:p>
             <a:fld id="{CC609147-96C1-144C-8BEA-2AD546402AA1}" type="datetimeFigureOut">
               <a:rPr lang="en-US" smtClean="0"/>
-              <a:t>12/5/23</a:t>
+              <a:t>12/7/23</a:t>
             </a:fld>
             <a:endParaRPr lang="en-US"/>
           </a:p>
@@ -2691,7 +2693,7 @@
           <a:p>
             <a:fld id="{CC609147-96C1-144C-8BEA-2AD546402AA1}" type="datetimeFigureOut">
               <a:rPr lang="en-US" smtClean="0"/>
-              <a:t>12/5/23</a:t>
+              <a:t>12/7/23</a:t>
             </a:fld>
             <a:endParaRPr lang="en-US"/>
           </a:p>
@@ -2934,7 +2936,7 @@
           <a:p>
             <a:fld id="{CC609147-96C1-144C-8BEA-2AD546402AA1}" type="datetimeFigureOut">
               <a:rPr lang="en-US" smtClean="0"/>
-              <a:t>12/5/23</a:t>
+              <a:t>12/7/23</a:t>
             </a:fld>
             <a:endParaRPr lang="en-US"/>
           </a:p>
@@ -6714,20 +6716,20 @@
             </a:extLst>
           </p:cNvPr>
           <p:cNvCxnSpPr>
+            <a:cxnSpLocks/>
             <a:stCxn id="4" idx="2"/>
-            <a:endCxn id="5" idx="1"/>
+            <a:endCxn id="26" idx="0"/>
           </p:cNvCxnSpPr>
           <p:nvPr/>
         </p:nvCxnSpPr>
         <p:spPr>
           <a:xfrm rot="5400000">
-            <a:off x="6824472" y="2694432"/>
-            <a:ext cx="1935480" cy="3916680"/>
-          </a:xfrm>
-          <a:prstGeom prst="bentConnector4">
+            <a:off x="6740748" y="2202276"/>
+            <a:ext cx="1527048" cy="4492561"/>
+          </a:xfrm>
+          <a:prstGeom prst="bentConnector3">
             <a:avLst>
-              <a:gd name="adj1" fmla="val 24724"/>
-              <a:gd name="adj2" fmla="val 105837"/>
+              <a:gd name="adj1" fmla="val 50000"/>
             </a:avLst>
           </a:prstGeom>
           <a:ln>
@@ -7086,10 +7088,1185 @@
           </a:p>
         </p:txBody>
       </p:sp>
+      <p:sp>
+        <p:nvSpPr>
+          <p:cNvPr id="26" name="Rectangle 25">
+            <a:extLst>
+              <a:ext uri="{FF2B5EF4-FFF2-40B4-BE49-F238E27FC236}">
+                <a16:creationId xmlns:a16="http://schemas.microsoft.com/office/drawing/2014/main" id="{C3B4B21E-E1E1-FFEE-9A26-8D42CD601A59}"/>
+              </a:ext>
+            </a:extLst>
+          </p:cNvPr>
+          <p:cNvSpPr/>
+          <p:nvPr/>
+        </p:nvSpPr>
+        <p:spPr>
+          <a:xfrm>
+            <a:off x="4858703" y="5212080"/>
+            <a:ext cx="798576" cy="594360"/>
+          </a:xfrm>
+          <a:prstGeom prst="rect">
+            <a:avLst/>
+          </a:prstGeom>
+        </p:spPr>
+        <p:style>
+          <a:lnRef idx="2">
+            <a:schemeClr val="accent1">
+              <a:shade val="15000"/>
+            </a:schemeClr>
+          </a:lnRef>
+          <a:fillRef idx="1">
+            <a:schemeClr val="accent1"/>
+          </a:fillRef>
+          <a:effectRef idx="0">
+            <a:schemeClr val="accent1"/>
+          </a:effectRef>
+          <a:fontRef idx="minor">
+            <a:schemeClr val="lt1"/>
+          </a:fontRef>
+        </p:style>
+        <p:txBody>
+          <a:bodyPr rtlCol="0" anchor="ctr"/>
+          <a:lstStyle/>
+          <a:p>
+            <a:pPr algn="ctr"/>
+            <a:r>
+              <a:rPr lang="en-US" dirty="0"/>
+              <a:t>C++</a:t>
+            </a:r>
+          </a:p>
+        </p:txBody>
+      </p:sp>
+      <p:cxnSp>
+        <p:nvCxnSpPr>
+          <p:cNvPr id="29" name="Elbow Connector 28">
+            <a:extLst>
+              <a:ext uri="{FF2B5EF4-FFF2-40B4-BE49-F238E27FC236}">
+                <a16:creationId xmlns:a16="http://schemas.microsoft.com/office/drawing/2014/main" id="{EB8A81FD-758B-D71E-5E4F-F031DAEAB9C5}"/>
+              </a:ext>
+            </a:extLst>
+          </p:cNvPr>
+          <p:cNvCxnSpPr>
+            <a:stCxn id="26" idx="2"/>
+            <a:endCxn id="5" idx="1"/>
+          </p:cNvCxnSpPr>
+          <p:nvPr/>
+        </p:nvCxnSpPr>
+        <p:spPr>
+          <a:xfrm rot="5400000" flipH="1" flipV="1">
+            <a:off x="5452967" y="5425535"/>
+            <a:ext cx="185928" cy="575881"/>
+          </a:xfrm>
+          <a:prstGeom prst="bentConnector4">
+            <a:avLst>
+              <a:gd name="adj1" fmla="val -122951"/>
+              <a:gd name="adj2" fmla="val 84667"/>
+            </a:avLst>
+          </a:prstGeom>
+          <a:ln>
+            <a:tailEnd type="triangle"/>
+          </a:ln>
+        </p:spPr>
+        <p:style>
+          <a:lnRef idx="1">
+            <a:schemeClr val="accent1"/>
+          </a:lnRef>
+          <a:fillRef idx="0">
+            <a:schemeClr val="accent1"/>
+          </a:fillRef>
+          <a:effectRef idx="0">
+            <a:schemeClr val="accent1"/>
+          </a:effectRef>
+          <a:fontRef idx="minor">
+            <a:schemeClr val="tx1"/>
+          </a:fontRef>
+        </p:style>
+      </p:cxnSp>
     </p:spTree>
     <p:extLst>
       <p:ext uri="{BB962C8B-B14F-4D97-AF65-F5344CB8AC3E}">
         <p14:creationId xmlns:p14="http://schemas.microsoft.com/office/powerpoint/2010/main" val="4173526238"/>
+      </p:ext>
+    </p:extLst>
+  </p:cSld>
+  <p:clrMapOvr>
+    <a:masterClrMapping/>
+  </p:clrMapOvr>
+</p:sld>
+</file>
+
+<file path=ppt/slides/slide6.xml><?xml version="1.0" encoding="utf-8"?>
+<p:sld xmlns:a="http://schemas.openxmlformats.org/drawingml/2006/main" xmlns:r="http://schemas.openxmlformats.org/officeDocument/2006/relationships" xmlns:p="http://schemas.openxmlformats.org/presentationml/2006/main">
+  <p:cSld>
+    <p:spTree>
+      <p:nvGrpSpPr>
+        <p:cNvPr id="1" name=""/>
+        <p:cNvGrpSpPr/>
+        <p:nvPr/>
+      </p:nvGrpSpPr>
+      <p:grpSpPr>
+        <a:xfrm>
+          <a:off x="0" y="0"/>
+          <a:ext cx="0" cy="0"/>
+          <a:chOff x="0" y="0"/>
+          <a:chExt cx="0" cy="0"/>
+        </a:xfrm>
+      </p:grpSpPr>
+      <p:sp>
+        <p:nvSpPr>
+          <p:cNvPr id="2" name="Rectangle 1">
+            <a:extLst>
+              <a:ext uri="{FF2B5EF4-FFF2-40B4-BE49-F238E27FC236}">
+                <a16:creationId xmlns:a16="http://schemas.microsoft.com/office/drawing/2014/main" id="{DD122389-B0E3-B622-C6C7-E5CD61A1E943}"/>
+              </a:ext>
+            </a:extLst>
+          </p:cNvPr>
+          <p:cNvSpPr/>
+          <p:nvPr/>
+        </p:nvSpPr>
+        <p:spPr>
+          <a:xfrm>
+            <a:off x="905256" y="822960"/>
+            <a:ext cx="10030968" cy="5687568"/>
+          </a:xfrm>
+          <a:prstGeom prst="rect">
+            <a:avLst/>
+          </a:prstGeom>
+        </p:spPr>
+        <p:style>
+          <a:lnRef idx="2">
+            <a:schemeClr val="accent6"/>
+          </a:lnRef>
+          <a:fillRef idx="1">
+            <a:schemeClr val="lt1"/>
+          </a:fillRef>
+          <a:effectRef idx="0">
+            <a:schemeClr val="accent6"/>
+          </a:effectRef>
+          <a:fontRef idx="minor">
+            <a:schemeClr val="dk1"/>
+          </a:fontRef>
+        </p:style>
+        <p:txBody>
+          <a:bodyPr rtlCol="0" anchor="ctr"/>
+          <a:lstStyle/>
+          <a:p>
+            <a:pPr algn="ctr"/>
+            <a:endParaRPr lang="en-US"/>
+          </a:p>
+        </p:txBody>
+      </p:sp>
+      <p:sp>
+        <p:nvSpPr>
+          <p:cNvPr id="3" name="TextBox 2">
+            <a:extLst>
+              <a:ext uri="{FF2B5EF4-FFF2-40B4-BE49-F238E27FC236}">
+                <a16:creationId xmlns:a16="http://schemas.microsoft.com/office/drawing/2014/main" id="{E5DE1D69-91FC-4702-4C77-0F0853E3B220}"/>
+              </a:ext>
+            </a:extLst>
+          </p:cNvPr>
+          <p:cNvSpPr txBox="1"/>
+          <p:nvPr/>
+        </p:nvSpPr>
+        <p:spPr>
+          <a:xfrm>
+            <a:off x="950976" y="850392"/>
+            <a:ext cx="2478024" cy="369332"/>
+          </a:xfrm>
+          <a:prstGeom prst="rect">
+            <a:avLst/>
+          </a:prstGeom>
+          <a:noFill/>
+        </p:spPr>
+        <p:txBody>
+          <a:bodyPr wrap="square" rtlCol="0">
+            <a:spAutoFit/>
+          </a:bodyPr>
+          <a:lstStyle/>
+          <a:p>
+            <a:r>
+              <a:rPr lang="en-US" dirty="0"/>
+              <a:t>Landing Component</a:t>
+            </a:r>
+          </a:p>
+        </p:txBody>
+      </p:sp>
+      <p:sp>
+        <p:nvSpPr>
+          <p:cNvPr id="4" name="Rectangle 3">
+            <a:extLst>
+              <a:ext uri="{FF2B5EF4-FFF2-40B4-BE49-F238E27FC236}">
+                <a16:creationId xmlns:a16="http://schemas.microsoft.com/office/drawing/2014/main" id="{11668A9E-CAB4-87F4-0BE6-045EA9FEFCE9}"/>
+              </a:ext>
+            </a:extLst>
+          </p:cNvPr>
+          <p:cNvSpPr/>
+          <p:nvPr/>
+        </p:nvSpPr>
+        <p:spPr>
+          <a:xfrm>
+            <a:off x="1124712" y="2203704"/>
+            <a:ext cx="3639312" cy="2551176"/>
+          </a:xfrm>
+          <a:prstGeom prst="rect">
+            <a:avLst/>
+          </a:prstGeom>
+        </p:spPr>
+        <p:style>
+          <a:lnRef idx="2">
+            <a:schemeClr val="accent1">
+              <a:shade val="15000"/>
+            </a:schemeClr>
+          </a:lnRef>
+          <a:fillRef idx="1">
+            <a:schemeClr val="accent1"/>
+          </a:fillRef>
+          <a:effectRef idx="0">
+            <a:schemeClr val="accent1"/>
+          </a:effectRef>
+          <a:fontRef idx="minor">
+            <a:schemeClr val="lt1"/>
+          </a:fontRef>
+        </p:style>
+        <p:txBody>
+          <a:bodyPr rtlCol="0" anchor="ctr"/>
+          <a:lstStyle/>
+          <a:p>
+            <a:pPr algn="ctr"/>
+            <a:r>
+              <a:rPr lang="en-US" dirty="0"/>
+              <a:t>Add Expenses</a:t>
+            </a:r>
+          </a:p>
+        </p:txBody>
+      </p:sp>
+      <p:sp>
+        <p:nvSpPr>
+          <p:cNvPr id="5" name="Rectangle 4">
+            <a:extLst>
+              <a:ext uri="{FF2B5EF4-FFF2-40B4-BE49-F238E27FC236}">
+                <a16:creationId xmlns:a16="http://schemas.microsoft.com/office/drawing/2014/main" id="{3D7D5669-1F5A-03EE-4307-C53F7EF0BB2B}"/>
+              </a:ext>
+            </a:extLst>
+          </p:cNvPr>
+          <p:cNvSpPr/>
+          <p:nvPr/>
+        </p:nvSpPr>
+        <p:spPr>
+          <a:xfrm>
+            <a:off x="6096000" y="1499616"/>
+            <a:ext cx="4419600" cy="4178808"/>
+          </a:xfrm>
+          <a:prstGeom prst="rect">
+            <a:avLst/>
+          </a:prstGeom>
+        </p:spPr>
+        <p:style>
+          <a:lnRef idx="2">
+            <a:schemeClr val="dk1">
+              <a:shade val="15000"/>
+            </a:schemeClr>
+          </a:lnRef>
+          <a:fillRef idx="1">
+            <a:schemeClr val="dk1"/>
+          </a:fillRef>
+          <a:effectRef idx="0">
+            <a:schemeClr val="dk1"/>
+          </a:effectRef>
+          <a:fontRef idx="minor">
+            <a:schemeClr val="lt1"/>
+          </a:fontRef>
+        </p:style>
+        <p:txBody>
+          <a:bodyPr rtlCol="0" anchor="ctr"/>
+          <a:lstStyle/>
+          <a:p>
+            <a:pPr algn="ctr"/>
+            <a:r>
+              <a:rPr lang="en-US" dirty="0"/>
+              <a:t>List of Expenses</a:t>
+            </a:r>
+          </a:p>
+        </p:txBody>
+      </p:sp>
+      <p:cxnSp>
+        <p:nvCxnSpPr>
+          <p:cNvPr id="7" name="Elbow Connector 6">
+            <a:extLst>
+              <a:ext uri="{FF2B5EF4-FFF2-40B4-BE49-F238E27FC236}">
+                <a16:creationId xmlns:a16="http://schemas.microsoft.com/office/drawing/2014/main" id="{A668EFC6-4F33-8946-C8A6-014105E9F300}"/>
+              </a:ext>
+            </a:extLst>
+          </p:cNvPr>
+          <p:cNvCxnSpPr>
+            <a:stCxn id="4" idx="2"/>
+          </p:cNvCxnSpPr>
+          <p:nvPr/>
+        </p:nvCxnSpPr>
+        <p:spPr>
+          <a:xfrm rot="16200000" flipH="1">
+            <a:off x="6397752" y="1301496"/>
+            <a:ext cx="1435608" cy="8342376"/>
+          </a:xfrm>
+          <a:prstGeom prst="bentConnector2">
+            <a:avLst/>
+          </a:prstGeom>
+          <a:ln>
+            <a:tailEnd type="triangle"/>
+          </a:ln>
+        </p:spPr>
+        <p:style>
+          <a:lnRef idx="1">
+            <a:schemeClr val="accent1"/>
+          </a:lnRef>
+          <a:fillRef idx="0">
+            <a:schemeClr val="accent1"/>
+          </a:fillRef>
+          <a:effectRef idx="0">
+            <a:schemeClr val="accent1"/>
+          </a:effectRef>
+          <a:fontRef idx="minor">
+            <a:schemeClr val="tx1"/>
+          </a:fontRef>
+        </p:style>
+      </p:cxnSp>
+      <p:sp>
+        <p:nvSpPr>
+          <p:cNvPr id="8" name="Can 7">
+            <a:extLst>
+              <a:ext uri="{FF2B5EF4-FFF2-40B4-BE49-F238E27FC236}">
+                <a16:creationId xmlns:a16="http://schemas.microsoft.com/office/drawing/2014/main" id="{519A6E10-E83F-2C72-4971-E6FD17940A9F}"/>
+              </a:ext>
+            </a:extLst>
+          </p:cNvPr>
+          <p:cNvSpPr/>
+          <p:nvPr/>
+        </p:nvSpPr>
+        <p:spPr>
+          <a:xfrm>
+            <a:off x="11286744" y="5852160"/>
+            <a:ext cx="783336" cy="658368"/>
+          </a:xfrm>
+          <a:prstGeom prst="can">
+            <a:avLst/>
+          </a:prstGeom>
+        </p:spPr>
+        <p:style>
+          <a:lnRef idx="2">
+            <a:schemeClr val="accent1">
+              <a:shade val="15000"/>
+            </a:schemeClr>
+          </a:lnRef>
+          <a:fillRef idx="1">
+            <a:schemeClr val="accent1"/>
+          </a:fillRef>
+          <a:effectRef idx="0">
+            <a:schemeClr val="accent1"/>
+          </a:effectRef>
+          <a:fontRef idx="minor">
+            <a:schemeClr val="lt1"/>
+          </a:fontRef>
+        </p:style>
+        <p:txBody>
+          <a:bodyPr rtlCol="0" anchor="ctr"/>
+          <a:lstStyle/>
+          <a:p>
+            <a:pPr algn="ctr"/>
+            <a:r>
+              <a:rPr lang="en-US" dirty="0"/>
+              <a:t>DB</a:t>
+            </a:r>
+          </a:p>
+        </p:txBody>
+      </p:sp>
+      <p:cxnSp>
+        <p:nvCxnSpPr>
+          <p:cNvPr id="10" name="Elbow Connector 9">
+            <a:extLst>
+              <a:ext uri="{FF2B5EF4-FFF2-40B4-BE49-F238E27FC236}">
+                <a16:creationId xmlns:a16="http://schemas.microsoft.com/office/drawing/2014/main" id="{D8CBD4C0-D000-E3AD-FC5A-5DCFB167B099}"/>
+              </a:ext>
+            </a:extLst>
+          </p:cNvPr>
+          <p:cNvCxnSpPr>
+            <a:endCxn id="5" idx="0"/>
+          </p:cNvCxnSpPr>
+          <p:nvPr/>
+        </p:nvCxnSpPr>
+        <p:spPr>
+          <a:xfrm flipV="1">
+            <a:off x="4782312" y="1499616"/>
+            <a:ext cx="3523488" cy="1993392"/>
+          </a:xfrm>
+          <a:prstGeom prst="bentConnector4">
+            <a:avLst>
+              <a:gd name="adj1" fmla="val 18642"/>
+              <a:gd name="adj2" fmla="val 111468"/>
+            </a:avLst>
+          </a:prstGeom>
+          <a:ln>
+            <a:tailEnd type="triangle"/>
+          </a:ln>
+        </p:spPr>
+        <p:style>
+          <a:lnRef idx="1">
+            <a:schemeClr val="accent1"/>
+          </a:lnRef>
+          <a:fillRef idx="0">
+            <a:schemeClr val="accent1"/>
+          </a:fillRef>
+          <a:effectRef idx="0">
+            <a:schemeClr val="accent1"/>
+          </a:effectRef>
+          <a:fontRef idx="minor">
+            <a:schemeClr val="tx1"/>
+          </a:fontRef>
+        </p:style>
+      </p:cxnSp>
+      <p:sp>
+        <p:nvSpPr>
+          <p:cNvPr id="11" name="Rounded Rectangle 10">
+            <a:extLst>
+              <a:ext uri="{FF2B5EF4-FFF2-40B4-BE49-F238E27FC236}">
+                <a16:creationId xmlns:a16="http://schemas.microsoft.com/office/drawing/2014/main" id="{9BAD0BC4-757B-CDCA-7D43-823D73F0E644}"/>
+              </a:ext>
+            </a:extLst>
+          </p:cNvPr>
+          <p:cNvSpPr/>
+          <p:nvPr/>
+        </p:nvSpPr>
+        <p:spPr>
+          <a:xfrm>
+            <a:off x="1828800" y="3840480"/>
+            <a:ext cx="2212848" cy="612648"/>
+          </a:xfrm>
+          <a:prstGeom prst="roundRect">
+            <a:avLst/>
+          </a:prstGeom>
+        </p:spPr>
+        <p:style>
+          <a:lnRef idx="2">
+            <a:schemeClr val="accent2">
+              <a:shade val="15000"/>
+            </a:schemeClr>
+          </a:lnRef>
+          <a:fillRef idx="1">
+            <a:schemeClr val="accent2"/>
+          </a:fillRef>
+          <a:effectRef idx="0">
+            <a:schemeClr val="accent2"/>
+          </a:effectRef>
+          <a:fontRef idx="minor">
+            <a:schemeClr val="lt1"/>
+          </a:fontRef>
+        </p:style>
+        <p:txBody>
+          <a:bodyPr rtlCol="0" anchor="ctr"/>
+          <a:lstStyle/>
+          <a:p>
+            <a:pPr algn="ctr"/>
+            <a:r>
+              <a:rPr lang="en-US" dirty="0"/>
+              <a:t>Add</a:t>
+            </a:r>
+          </a:p>
+        </p:txBody>
+      </p:sp>
+      <p:graphicFrame>
+        <p:nvGraphicFramePr>
+          <p:cNvPr id="12" name="Table 11">
+            <a:extLst>
+              <a:ext uri="{FF2B5EF4-FFF2-40B4-BE49-F238E27FC236}">
+                <a16:creationId xmlns:a16="http://schemas.microsoft.com/office/drawing/2014/main" id="{EE985E0B-BC5F-294C-7F28-33C9E7CEAAE4}"/>
+              </a:ext>
+            </a:extLst>
+          </p:cNvPr>
+          <p:cNvGraphicFramePr>
+            <a:graphicFrameLocks noGrp="1"/>
+          </p:cNvGraphicFramePr>
+          <p:nvPr>
+            <p:extLst>
+              <p:ext uri="{D42A27DB-BD31-4B8C-83A1-F6EECF244321}">
+                <p14:modId xmlns:p14="http://schemas.microsoft.com/office/powerpoint/2010/main" val="196271510"/>
+              </p:ext>
+            </p:extLst>
+          </p:nvPr>
+        </p:nvGraphicFramePr>
+        <p:xfrm>
+          <a:off x="6273799" y="4169664"/>
+          <a:ext cx="4064001" cy="741680"/>
+        </p:xfrm>
+        <a:graphic>
+          <a:graphicData uri="http://schemas.openxmlformats.org/drawingml/2006/table">
+            <a:tbl>
+              <a:tblPr firstRow="1" bandRow="1">
+                <a:tableStyleId>{5C22544A-7EE6-4342-B048-85BDC9FD1C3A}</a:tableStyleId>
+              </a:tblPr>
+              <a:tblGrid>
+                <a:gridCol w="1354667">
+                  <a:extLst>
+                    <a:ext uri="{9D8B030D-6E8A-4147-A177-3AD203B41FA5}">
+                      <a16:colId xmlns:a16="http://schemas.microsoft.com/office/drawing/2014/main" val="2819281771"/>
+                    </a:ext>
+                  </a:extLst>
+                </a:gridCol>
+                <a:gridCol w="1354667">
+                  <a:extLst>
+                    <a:ext uri="{9D8B030D-6E8A-4147-A177-3AD203B41FA5}">
+                      <a16:colId xmlns:a16="http://schemas.microsoft.com/office/drawing/2014/main" val="3732181508"/>
+                    </a:ext>
+                  </a:extLst>
+                </a:gridCol>
+                <a:gridCol w="1354667">
+                  <a:extLst>
+                    <a:ext uri="{9D8B030D-6E8A-4147-A177-3AD203B41FA5}">
+                      <a16:colId xmlns:a16="http://schemas.microsoft.com/office/drawing/2014/main" val="882328095"/>
+                    </a:ext>
+                  </a:extLst>
+                </a:gridCol>
+              </a:tblGrid>
+              <a:tr h="370840">
+                <a:tc>
+                  <a:txBody>
+                    <a:bodyPr/>
+                    <a:lstStyle/>
+                    <a:p>
+                      <a:endParaRPr lang="en-US"/>
+                    </a:p>
+                  </a:txBody>
+                  <a:tcPr/>
+                </a:tc>
+                <a:tc>
+                  <a:txBody>
+                    <a:bodyPr/>
+                    <a:lstStyle/>
+                    <a:p>
+                      <a:endParaRPr lang="en-US"/>
+                    </a:p>
+                  </a:txBody>
+                  <a:tcPr/>
+                </a:tc>
+                <a:tc>
+                  <a:txBody>
+                    <a:bodyPr/>
+                    <a:lstStyle/>
+                    <a:p>
+                      <a:endParaRPr lang="en-US" dirty="0"/>
+                    </a:p>
+                  </a:txBody>
+                  <a:tcPr/>
+                </a:tc>
+                <a:extLst>
+                  <a:ext uri="{0D108BD9-81ED-4DB2-BD59-A6C34878D82A}">
+                    <a16:rowId xmlns:a16="http://schemas.microsoft.com/office/drawing/2014/main" val="277594797"/>
+                  </a:ext>
+                </a:extLst>
+              </a:tr>
+              <a:tr h="370840">
+                <a:tc>
+                  <a:txBody>
+                    <a:bodyPr/>
+                    <a:lstStyle/>
+                    <a:p>
+                      <a:endParaRPr lang="en-US" dirty="0"/>
+                    </a:p>
+                  </a:txBody>
+                  <a:tcPr/>
+                </a:tc>
+                <a:tc>
+                  <a:txBody>
+                    <a:bodyPr/>
+                    <a:lstStyle/>
+                    <a:p>
+                      <a:endParaRPr lang="en-US" dirty="0"/>
+                    </a:p>
+                  </a:txBody>
+                  <a:tcPr/>
+                </a:tc>
+                <a:tc>
+                  <a:txBody>
+                    <a:bodyPr/>
+                    <a:lstStyle/>
+                    <a:p>
+                      <a:endParaRPr lang="en-US" dirty="0"/>
+                    </a:p>
+                  </a:txBody>
+                  <a:tcPr/>
+                </a:tc>
+                <a:extLst>
+                  <a:ext uri="{0D108BD9-81ED-4DB2-BD59-A6C34878D82A}">
+                    <a16:rowId xmlns:a16="http://schemas.microsoft.com/office/drawing/2014/main" val="3293537719"/>
+                  </a:ext>
+                </a:extLst>
+              </a:tr>
+            </a:tbl>
+          </a:graphicData>
+        </a:graphic>
+      </p:graphicFrame>
+      <p:cxnSp>
+        <p:nvCxnSpPr>
+          <p:cNvPr id="14" name="Elbow Connector 13">
+            <a:extLst>
+              <a:ext uri="{FF2B5EF4-FFF2-40B4-BE49-F238E27FC236}">
+                <a16:creationId xmlns:a16="http://schemas.microsoft.com/office/drawing/2014/main" id="{C231206A-4680-2B3C-CEFE-03526F04D096}"/>
+              </a:ext>
+            </a:extLst>
+          </p:cNvPr>
+          <p:cNvCxnSpPr>
+            <a:cxnSpLocks/>
+            <a:stCxn id="5" idx="3"/>
+            <a:endCxn id="8" idx="1"/>
+          </p:cNvCxnSpPr>
+          <p:nvPr/>
+        </p:nvCxnSpPr>
+        <p:spPr>
+          <a:xfrm>
+            <a:off x="10515600" y="3589020"/>
+            <a:ext cx="1162812" cy="2263140"/>
+          </a:xfrm>
+          <a:prstGeom prst="bentConnector2">
+            <a:avLst/>
+          </a:prstGeom>
+          <a:ln>
+            <a:headEnd type="triangle"/>
+            <a:tailEnd type="triangle"/>
+          </a:ln>
+        </p:spPr>
+        <p:style>
+          <a:lnRef idx="1">
+            <a:schemeClr val="accent1"/>
+          </a:lnRef>
+          <a:fillRef idx="0">
+            <a:schemeClr val="accent1"/>
+          </a:fillRef>
+          <a:effectRef idx="0">
+            <a:schemeClr val="accent1"/>
+          </a:effectRef>
+          <a:fontRef idx="minor">
+            <a:schemeClr val="tx1"/>
+          </a:fontRef>
+        </p:style>
+      </p:cxnSp>
+      <p:sp>
+        <p:nvSpPr>
+          <p:cNvPr id="16" name="Can 15">
+            <a:extLst>
+              <a:ext uri="{FF2B5EF4-FFF2-40B4-BE49-F238E27FC236}">
+                <a16:creationId xmlns:a16="http://schemas.microsoft.com/office/drawing/2014/main" id="{8A72F342-CC55-7165-BE5B-DCA262B1A320}"/>
+              </a:ext>
+            </a:extLst>
+          </p:cNvPr>
+          <p:cNvSpPr/>
+          <p:nvPr/>
+        </p:nvSpPr>
+        <p:spPr>
+          <a:xfrm>
+            <a:off x="1072134" y="5852160"/>
+            <a:ext cx="1588770" cy="658368"/>
+          </a:xfrm>
+          <a:prstGeom prst="can">
+            <a:avLst/>
+          </a:prstGeom>
+        </p:spPr>
+        <p:style>
+          <a:lnRef idx="2">
+            <a:schemeClr val="accent1">
+              <a:shade val="15000"/>
+            </a:schemeClr>
+          </a:lnRef>
+          <a:fillRef idx="1">
+            <a:schemeClr val="accent1"/>
+          </a:fillRef>
+          <a:effectRef idx="0">
+            <a:schemeClr val="accent1"/>
+          </a:effectRef>
+          <a:fontRef idx="minor">
+            <a:schemeClr val="lt1"/>
+          </a:fontRef>
+        </p:style>
+        <p:txBody>
+          <a:bodyPr rtlCol="0" anchor="ctr"/>
+          <a:lstStyle/>
+          <a:p>
+            <a:pPr algn="ctr"/>
+            <a:r>
+              <a:rPr lang="en-US" dirty="0"/>
+              <a:t>In-App Store</a:t>
+            </a:r>
+          </a:p>
+        </p:txBody>
+      </p:sp>
+      <p:cxnSp>
+        <p:nvCxnSpPr>
+          <p:cNvPr id="18" name="Elbow Connector 17">
+            <a:extLst>
+              <a:ext uri="{FF2B5EF4-FFF2-40B4-BE49-F238E27FC236}">
+                <a16:creationId xmlns:a16="http://schemas.microsoft.com/office/drawing/2014/main" id="{7EABFA29-78BB-8B06-BEDC-6DC6E1C9DB8D}"/>
+              </a:ext>
+            </a:extLst>
+          </p:cNvPr>
+          <p:cNvCxnSpPr>
+            <a:stCxn id="4" idx="1"/>
+          </p:cNvCxnSpPr>
+          <p:nvPr/>
+        </p:nvCxnSpPr>
+        <p:spPr>
+          <a:xfrm rot="10800000" flipH="1" flipV="1">
+            <a:off x="1124712" y="3479292"/>
+            <a:ext cx="704088" cy="2372868"/>
+          </a:xfrm>
+          <a:prstGeom prst="bentConnector4">
+            <a:avLst>
+              <a:gd name="adj1" fmla="val -32468"/>
+              <a:gd name="adj2" fmla="val 76879"/>
+            </a:avLst>
+          </a:prstGeom>
+          <a:ln>
+            <a:headEnd type="triangle"/>
+            <a:tailEnd type="triangle"/>
+          </a:ln>
+        </p:spPr>
+        <p:style>
+          <a:lnRef idx="1">
+            <a:schemeClr val="accent1"/>
+          </a:lnRef>
+          <a:fillRef idx="0">
+            <a:schemeClr val="accent1"/>
+          </a:fillRef>
+          <a:effectRef idx="0">
+            <a:schemeClr val="accent1"/>
+          </a:effectRef>
+          <a:fontRef idx="minor">
+            <a:schemeClr val="tx1"/>
+          </a:fontRef>
+        </p:style>
+      </p:cxnSp>
+      <p:cxnSp>
+        <p:nvCxnSpPr>
+          <p:cNvPr id="20" name="Elbow Connector 19">
+            <a:extLst>
+              <a:ext uri="{FF2B5EF4-FFF2-40B4-BE49-F238E27FC236}">
+                <a16:creationId xmlns:a16="http://schemas.microsoft.com/office/drawing/2014/main" id="{6AF62E08-AE81-311A-DA77-64F44A5AB52D}"/>
+              </a:ext>
+            </a:extLst>
+          </p:cNvPr>
+          <p:cNvCxnSpPr>
+            <a:stCxn id="16" idx="4"/>
+          </p:cNvCxnSpPr>
+          <p:nvPr/>
+        </p:nvCxnSpPr>
+        <p:spPr>
+          <a:xfrm flipV="1">
+            <a:off x="2660904" y="3589020"/>
+            <a:ext cx="3416808" cy="2592324"/>
+          </a:xfrm>
+          <a:prstGeom prst="bentConnector3">
+            <a:avLst>
+              <a:gd name="adj1" fmla="val 85326"/>
+            </a:avLst>
+          </a:prstGeom>
+          <a:ln>
+            <a:headEnd type="triangle"/>
+            <a:tailEnd type="triangle"/>
+          </a:ln>
+        </p:spPr>
+        <p:style>
+          <a:lnRef idx="1">
+            <a:schemeClr val="accent1"/>
+          </a:lnRef>
+          <a:fillRef idx="0">
+            <a:schemeClr val="accent1"/>
+          </a:fillRef>
+          <a:effectRef idx="0">
+            <a:schemeClr val="accent1"/>
+          </a:effectRef>
+          <a:fontRef idx="minor">
+            <a:schemeClr val="tx1"/>
+          </a:fontRef>
+        </p:style>
+      </p:cxnSp>
+    </p:spTree>
+    <p:extLst>
+      <p:ext uri="{BB962C8B-B14F-4D97-AF65-F5344CB8AC3E}">
+        <p14:creationId xmlns:p14="http://schemas.microsoft.com/office/powerpoint/2010/main" val="2152395288"/>
+      </p:ext>
+    </p:extLst>
+  </p:cSld>
+  <p:clrMapOvr>
+    <a:masterClrMapping/>
+  </p:clrMapOvr>
+</p:sld>
+</file>
+
+<file path=ppt/slides/slide7.xml><?xml version="1.0" encoding="utf-8"?>
+<p:sld xmlns:a="http://schemas.openxmlformats.org/drawingml/2006/main" xmlns:r="http://schemas.openxmlformats.org/officeDocument/2006/relationships" xmlns:p="http://schemas.openxmlformats.org/presentationml/2006/main">
+  <p:cSld>
+    <p:spTree>
+      <p:nvGrpSpPr>
+        <p:cNvPr id="1" name=""/>
+        <p:cNvGrpSpPr/>
+        <p:nvPr/>
+      </p:nvGrpSpPr>
+      <p:grpSpPr>
+        <a:xfrm>
+          <a:off x="0" y="0"/>
+          <a:ext cx="0" cy="0"/>
+          <a:chOff x="0" y="0"/>
+          <a:chExt cx="0" cy="0"/>
+        </a:xfrm>
+      </p:grpSpPr>
+      <p:sp>
+        <p:nvSpPr>
+          <p:cNvPr id="2" name="Rectangle 1">
+            <a:extLst>
+              <a:ext uri="{FF2B5EF4-FFF2-40B4-BE49-F238E27FC236}">
+                <a16:creationId xmlns:a16="http://schemas.microsoft.com/office/drawing/2014/main" id="{C95B12A5-99DB-EF28-BB75-22EF6865D46A}"/>
+              </a:ext>
+            </a:extLst>
+          </p:cNvPr>
+          <p:cNvSpPr/>
+          <p:nvPr/>
+        </p:nvSpPr>
+        <p:spPr>
+          <a:xfrm>
+            <a:off x="640080" y="521208"/>
+            <a:ext cx="10981944" cy="5797296"/>
+          </a:xfrm>
+          <a:prstGeom prst="rect">
+            <a:avLst/>
+          </a:prstGeom>
+        </p:spPr>
+        <p:style>
+          <a:lnRef idx="2">
+            <a:schemeClr val="accent6"/>
+          </a:lnRef>
+          <a:fillRef idx="1">
+            <a:schemeClr val="lt1"/>
+          </a:fillRef>
+          <a:effectRef idx="0">
+            <a:schemeClr val="accent6"/>
+          </a:effectRef>
+          <a:fontRef idx="minor">
+            <a:schemeClr val="dk1"/>
+          </a:fontRef>
+        </p:style>
+        <p:txBody>
+          <a:bodyPr rtlCol="0" anchor="ctr"/>
+          <a:lstStyle/>
+          <a:p>
+            <a:pPr algn="ctr"/>
+            <a:endParaRPr lang="en-US"/>
+          </a:p>
+        </p:txBody>
+      </p:sp>
+      <p:sp>
+        <p:nvSpPr>
+          <p:cNvPr id="3" name="Can 2">
+            <a:extLst>
+              <a:ext uri="{FF2B5EF4-FFF2-40B4-BE49-F238E27FC236}">
+                <a16:creationId xmlns:a16="http://schemas.microsoft.com/office/drawing/2014/main" id="{3A773AE0-DA08-9FB3-AAD9-875CCF2A7E85}"/>
+              </a:ext>
+            </a:extLst>
+          </p:cNvPr>
+          <p:cNvSpPr/>
+          <p:nvPr/>
+        </p:nvSpPr>
+        <p:spPr>
+          <a:xfrm>
+            <a:off x="1078992" y="4873752"/>
+            <a:ext cx="10332720" cy="1097280"/>
+          </a:xfrm>
+          <a:prstGeom prst="can">
+            <a:avLst/>
+          </a:prstGeom>
+        </p:spPr>
+        <p:style>
+          <a:lnRef idx="2">
+            <a:schemeClr val="accent1">
+              <a:shade val="15000"/>
+            </a:schemeClr>
+          </a:lnRef>
+          <a:fillRef idx="1">
+            <a:schemeClr val="accent1"/>
+          </a:fillRef>
+          <a:effectRef idx="0">
+            <a:schemeClr val="accent1"/>
+          </a:effectRef>
+          <a:fontRef idx="minor">
+            <a:schemeClr val="lt1"/>
+          </a:fontRef>
+        </p:style>
+        <p:txBody>
+          <a:bodyPr rtlCol="0" anchor="ctr"/>
+          <a:lstStyle/>
+          <a:p>
+            <a:pPr algn="ctr"/>
+            <a:r>
+              <a:rPr lang="en-US" b="1" dirty="0"/>
+              <a:t>Application State</a:t>
+            </a:r>
+          </a:p>
+        </p:txBody>
+      </p:sp>
+      <p:sp>
+        <p:nvSpPr>
+          <p:cNvPr id="4" name="Rectangle 3">
+            <a:extLst>
+              <a:ext uri="{FF2B5EF4-FFF2-40B4-BE49-F238E27FC236}">
+                <a16:creationId xmlns:a16="http://schemas.microsoft.com/office/drawing/2014/main" id="{ED56E3C0-0D10-3FEC-18BD-31D1389C4E31}"/>
+              </a:ext>
+            </a:extLst>
+          </p:cNvPr>
+          <p:cNvSpPr/>
+          <p:nvPr/>
+        </p:nvSpPr>
+        <p:spPr>
+          <a:xfrm>
+            <a:off x="1188720" y="1069848"/>
+            <a:ext cx="2322576" cy="1874520"/>
+          </a:xfrm>
+          <a:prstGeom prst="rect">
+            <a:avLst/>
+          </a:prstGeom>
+        </p:spPr>
+        <p:style>
+          <a:lnRef idx="2">
+            <a:schemeClr val="accent1">
+              <a:shade val="15000"/>
+            </a:schemeClr>
+          </a:lnRef>
+          <a:fillRef idx="1">
+            <a:schemeClr val="accent1"/>
+          </a:fillRef>
+          <a:effectRef idx="0">
+            <a:schemeClr val="accent1"/>
+          </a:effectRef>
+          <a:fontRef idx="minor">
+            <a:schemeClr val="lt1"/>
+          </a:fontRef>
+        </p:style>
+        <p:txBody>
+          <a:bodyPr rtlCol="0" anchor="ctr"/>
+          <a:lstStyle/>
+          <a:p>
+            <a:pPr algn="ctr"/>
+            <a:r>
+              <a:rPr lang="en-US" dirty="0"/>
+              <a:t>Component 1</a:t>
+            </a:r>
+          </a:p>
+        </p:txBody>
+      </p:sp>
+      <p:cxnSp>
+        <p:nvCxnSpPr>
+          <p:cNvPr id="6" name="Elbow Connector 5">
+            <a:extLst>
+              <a:ext uri="{FF2B5EF4-FFF2-40B4-BE49-F238E27FC236}">
+                <a16:creationId xmlns:a16="http://schemas.microsoft.com/office/drawing/2014/main" id="{548C4D7A-453A-592A-81E4-28B647F8252A}"/>
+              </a:ext>
+            </a:extLst>
+          </p:cNvPr>
+          <p:cNvCxnSpPr>
+            <a:stCxn id="4" idx="2"/>
+            <a:endCxn id="3" idx="1"/>
+          </p:cNvCxnSpPr>
+          <p:nvPr/>
+        </p:nvCxnSpPr>
+        <p:spPr>
+          <a:xfrm rot="16200000" flipH="1">
+            <a:off x="3332988" y="1961388"/>
+            <a:ext cx="1929384" cy="3895344"/>
+          </a:xfrm>
+          <a:prstGeom prst="bentConnector3">
+            <a:avLst/>
+          </a:prstGeom>
+          <a:ln>
+            <a:tailEnd type="triangle"/>
+          </a:ln>
+        </p:spPr>
+        <p:style>
+          <a:lnRef idx="1">
+            <a:schemeClr val="accent1"/>
+          </a:lnRef>
+          <a:fillRef idx="0">
+            <a:schemeClr val="accent1"/>
+          </a:fillRef>
+          <a:effectRef idx="0">
+            <a:schemeClr val="accent1"/>
+          </a:effectRef>
+          <a:fontRef idx="minor">
+            <a:schemeClr val="tx1"/>
+          </a:fontRef>
+        </p:style>
+      </p:cxnSp>
+      <p:sp>
+        <p:nvSpPr>
+          <p:cNvPr id="7" name="TextBox 6">
+            <a:extLst>
+              <a:ext uri="{FF2B5EF4-FFF2-40B4-BE49-F238E27FC236}">
+                <a16:creationId xmlns:a16="http://schemas.microsoft.com/office/drawing/2014/main" id="{F25F1F30-9330-54FD-0B17-B7C039A86FA6}"/>
+              </a:ext>
+            </a:extLst>
+          </p:cNvPr>
+          <p:cNvSpPr txBox="1"/>
+          <p:nvPr/>
+        </p:nvSpPr>
+        <p:spPr>
+          <a:xfrm>
+            <a:off x="1828800" y="3355848"/>
+            <a:ext cx="3465576" cy="646331"/>
+          </a:xfrm>
+          <a:prstGeom prst="rect">
+            <a:avLst/>
+          </a:prstGeom>
+          <a:noFill/>
+        </p:spPr>
+        <p:txBody>
+          <a:bodyPr wrap="square" rtlCol="0">
+            <a:spAutoFit/>
+          </a:bodyPr>
+          <a:lstStyle/>
+          <a:p>
+            <a:pPr algn="ctr"/>
+            <a:r>
+              <a:rPr lang="en-US" dirty="0"/>
+              <a:t>Dispatch Data top Application Store</a:t>
+            </a:r>
+          </a:p>
+        </p:txBody>
+      </p:sp>
+      <p:sp>
+        <p:nvSpPr>
+          <p:cNvPr id="8" name="Rectangle 7">
+            <a:extLst>
+              <a:ext uri="{FF2B5EF4-FFF2-40B4-BE49-F238E27FC236}">
+                <a16:creationId xmlns:a16="http://schemas.microsoft.com/office/drawing/2014/main" id="{BF5C1336-8867-D056-AE63-6CA3D4BD0615}"/>
+              </a:ext>
+            </a:extLst>
+          </p:cNvPr>
+          <p:cNvSpPr/>
+          <p:nvPr/>
+        </p:nvSpPr>
+        <p:spPr>
+          <a:xfrm>
+            <a:off x="8948928" y="1069848"/>
+            <a:ext cx="2322576" cy="1874520"/>
+          </a:xfrm>
+          <a:prstGeom prst="rect">
+            <a:avLst/>
+          </a:prstGeom>
+        </p:spPr>
+        <p:style>
+          <a:lnRef idx="2">
+            <a:schemeClr val="accent1">
+              <a:shade val="15000"/>
+            </a:schemeClr>
+          </a:lnRef>
+          <a:fillRef idx="1">
+            <a:schemeClr val="accent1"/>
+          </a:fillRef>
+          <a:effectRef idx="0">
+            <a:schemeClr val="accent1"/>
+          </a:effectRef>
+          <a:fontRef idx="minor">
+            <a:schemeClr val="lt1"/>
+          </a:fontRef>
+        </p:style>
+        <p:txBody>
+          <a:bodyPr rtlCol="0" anchor="ctr"/>
+          <a:lstStyle/>
+          <a:p>
+            <a:pPr algn="ctr"/>
+            <a:r>
+              <a:rPr lang="en-US" dirty="0"/>
+              <a:t>Component 2</a:t>
+            </a:r>
+          </a:p>
+        </p:txBody>
+      </p:sp>
+      <p:cxnSp>
+        <p:nvCxnSpPr>
+          <p:cNvPr id="10" name="Elbow Connector 9">
+            <a:extLst>
+              <a:ext uri="{FF2B5EF4-FFF2-40B4-BE49-F238E27FC236}">
+                <a16:creationId xmlns:a16="http://schemas.microsoft.com/office/drawing/2014/main" id="{90E9DA17-BF2A-9820-CC66-192E13695E9C}"/>
+              </a:ext>
+            </a:extLst>
+          </p:cNvPr>
+          <p:cNvCxnSpPr>
+            <a:stCxn id="8" idx="2"/>
+            <a:endCxn id="3" idx="1"/>
+          </p:cNvCxnSpPr>
+          <p:nvPr/>
+        </p:nvCxnSpPr>
+        <p:spPr>
+          <a:xfrm rot="5400000">
+            <a:off x="7213092" y="1976628"/>
+            <a:ext cx="1929384" cy="3864864"/>
+          </a:xfrm>
+          <a:prstGeom prst="bentConnector3">
+            <a:avLst/>
+          </a:prstGeom>
+          <a:ln>
+            <a:headEnd type="triangle"/>
+            <a:tailEnd type="triangle"/>
+          </a:ln>
+        </p:spPr>
+        <p:style>
+          <a:lnRef idx="1">
+            <a:schemeClr val="accent1"/>
+          </a:lnRef>
+          <a:fillRef idx="0">
+            <a:schemeClr val="accent1"/>
+          </a:fillRef>
+          <a:effectRef idx="0">
+            <a:schemeClr val="accent1"/>
+          </a:effectRef>
+          <a:fontRef idx="minor">
+            <a:schemeClr val="tx1"/>
+          </a:fontRef>
+        </p:style>
+      </p:cxnSp>
+      <p:sp>
+        <p:nvSpPr>
+          <p:cNvPr id="11" name="TextBox 10">
+            <a:extLst>
+              <a:ext uri="{FF2B5EF4-FFF2-40B4-BE49-F238E27FC236}">
+                <a16:creationId xmlns:a16="http://schemas.microsoft.com/office/drawing/2014/main" id="{2752C173-9A7F-F649-D05C-9089F6D3ED3C}"/>
+              </a:ext>
+            </a:extLst>
+          </p:cNvPr>
+          <p:cNvSpPr txBox="1"/>
+          <p:nvPr/>
+        </p:nvSpPr>
+        <p:spPr>
+          <a:xfrm>
+            <a:off x="6973824" y="3493008"/>
+            <a:ext cx="3560064" cy="646331"/>
+          </a:xfrm>
+          <a:prstGeom prst="rect">
+            <a:avLst/>
+          </a:prstGeom>
+          <a:noFill/>
+        </p:spPr>
+        <p:txBody>
+          <a:bodyPr wrap="square" rtlCol="0">
+            <a:spAutoFit/>
+          </a:bodyPr>
+          <a:lstStyle/>
+          <a:p>
+            <a:pPr algn="ctr"/>
+            <a:r>
+              <a:rPr lang="en-US" dirty="0"/>
+              <a:t>Subscribe to Application Store to Read Data from it</a:t>
+            </a:r>
+          </a:p>
+        </p:txBody>
+      </p:sp>
+    </p:spTree>
+    <p:extLst>
+      <p:ext uri="{BB962C8B-B14F-4D97-AF65-F5344CB8AC3E}">
+        <p14:creationId xmlns:p14="http://schemas.microsoft.com/office/powerpoint/2010/main" val="1369472183"/>
       </p:ext>
     </p:extLst>
   </p:cSld>

--- a/Images.pptx
+++ b/Images.pptx
@@ -12,6 +12,10 @@
     <p:sldId id="260" r:id="rId6"/>
     <p:sldId id="261" r:id="rId7"/>
     <p:sldId id="262" r:id="rId8"/>
+    <p:sldId id="263" r:id="rId9"/>
+    <p:sldId id="264" r:id="rId10"/>
+    <p:sldId id="265" r:id="rId11"/>
+    <p:sldId id="266" r:id="rId12"/>
   </p:sldIdLst>
   <p:sldSz cx="12192000" cy="6858000"/>
   <p:notesSz cx="6858000" cy="9144000"/>
@@ -267,7 +271,7 @@
           <a:p>
             <a:fld id="{CC609147-96C1-144C-8BEA-2AD546402AA1}" type="datetimeFigureOut">
               <a:rPr lang="en-US" smtClean="0"/>
-              <a:t>12/7/23</a:t>
+              <a:t>12/8/23</a:t>
             </a:fld>
             <a:endParaRPr lang="en-US"/>
           </a:p>
@@ -467,7 +471,7 @@
           <a:p>
             <a:fld id="{CC609147-96C1-144C-8BEA-2AD546402AA1}" type="datetimeFigureOut">
               <a:rPr lang="en-US" smtClean="0"/>
-              <a:t>12/7/23</a:t>
+              <a:t>12/8/23</a:t>
             </a:fld>
             <a:endParaRPr lang="en-US"/>
           </a:p>
@@ -677,7 +681,7 @@
           <a:p>
             <a:fld id="{CC609147-96C1-144C-8BEA-2AD546402AA1}" type="datetimeFigureOut">
               <a:rPr lang="en-US" smtClean="0"/>
-              <a:t>12/7/23</a:t>
+              <a:t>12/8/23</a:t>
             </a:fld>
             <a:endParaRPr lang="en-US"/>
           </a:p>
@@ -877,7 +881,7 @@
           <a:p>
             <a:fld id="{CC609147-96C1-144C-8BEA-2AD546402AA1}" type="datetimeFigureOut">
               <a:rPr lang="en-US" smtClean="0"/>
-              <a:t>12/7/23</a:t>
+              <a:t>12/8/23</a:t>
             </a:fld>
             <a:endParaRPr lang="en-US"/>
           </a:p>
@@ -1153,7 +1157,7 @@
           <a:p>
             <a:fld id="{CC609147-96C1-144C-8BEA-2AD546402AA1}" type="datetimeFigureOut">
               <a:rPr lang="en-US" smtClean="0"/>
-              <a:t>12/7/23</a:t>
+              <a:t>12/8/23</a:t>
             </a:fld>
             <a:endParaRPr lang="en-US"/>
           </a:p>
@@ -1421,7 +1425,7 @@
           <a:p>
             <a:fld id="{CC609147-96C1-144C-8BEA-2AD546402AA1}" type="datetimeFigureOut">
               <a:rPr lang="en-US" smtClean="0"/>
-              <a:t>12/7/23</a:t>
+              <a:t>12/8/23</a:t>
             </a:fld>
             <a:endParaRPr lang="en-US"/>
           </a:p>
@@ -1836,7 +1840,7 @@
           <a:p>
             <a:fld id="{CC609147-96C1-144C-8BEA-2AD546402AA1}" type="datetimeFigureOut">
               <a:rPr lang="en-US" smtClean="0"/>
-              <a:t>12/7/23</a:t>
+              <a:t>12/8/23</a:t>
             </a:fld>
             <a:endParaRPr lang="en-US"/>
           </a:p>
@@ -1978,7 +1982,7 @@
           <a:p>
             <a:fld id="{CC609147-96C1-144C-8BEA-2AD546402AA1}" type="datetimeFigureOut">
               <a:rPr lang="en-US" smtClean="0"/>
-              <a:t>12/7/23</a:t>
+              <a:t>12/8/23</a:t>
             </a:fld>
             <a:endParaRPr lang="en-US"/>
           </a:p>
@@ -2091,7 +2095,7 @@
           <a:p>
             <a:fld id="{CC609147-96C1-144C-8BEA-2AD546402AA1}" type="datetimeFigureOut">
               <a:rPr lang="en-US" smtClean="0"/>
-              <a:t>12/7/23</a:t>
+              <a:t>12/8/23</a:t>
             </a:fld>
             <a:endParaRPr lang="en-US"/>
           </a:p>
@@ -2404,7 +2408,7 @@
           <a:p>
             <a:fld id="{CC609147-96C1-144C-8BEA-2AD546402AA1}" type="datetimeFigureOut">
               <a:rPr lang="en-US" smtClean="0"/>
-              <a:t>12/7/23</a:t>
+              <a:t>12/8/23</a:t>
             </a:fld>
             <a:endParaRPr lang="en-US"/>
           </a:p>
@@ -2693,7 +2697,7 @@
           <a:p>
             <a:fld id="{CC609147-96C1-144C-8BEA-2AD546402AA1}" type="datetimeFigureOut">
               <a:rPr lang="en-US" smtClean="0"/>
-              <a:t>12/7/23</a:t>
+              <a:t>12/8/23</a:t>
             </a:fld>
             <a:endParaRPr lang="en-US"/>
           </a:p>
@@ -2936,7 +2940,7 @@
           <a:p>
             <a:fld id="{CC609147-96C1-144C-8BEA-2AD546402AA1}" type="datetimeFigureOut">
               <a:rPr lang="en-US" smtClean="0"/>
-              <a:t>12/7/23</a:t>
+              <a:t>12/8/23</a:t>
             </a:fld>
             <a:endParaRPr lang="en-US"/>
           </a:p>
@@ -4526,6 +4530,2093 @@
 </p:sld>
 </file>
 
+<file path=ppt/slides/slide10.xml><?xml version="1.0" encoding="utf-8"?>
+<p:sld xmlns:a="http://schemas.openxmlformats.org/drawingml/2006/main" xmlns:r="http://schemas.openxmlformats.org/officeDocument/2006/relationships" xmlns:p="http://schemas.openxmlformats.org/presentationml/2006/main">
+  <p:cSld>
+    <p:spTree>
+      <p:nvGrpSpPr>
+        <p:cNvPr id="1" name=""/>
+        <p:cNvGrpSpPr/>
+        <p:nvPr/>
+      </p:nvGrpSpPr>
+      <p:grpSpPr>
+        <a:xfrm>
+          <a:off x="0" y="0"/>
+          <a:ext cx="0" cy="0"/>
+          <a:chOff x="0" y="0"/>
+          <a:chExt cx="0" cy="0"/>
+        </a:xfrm>
+      </p:grpSpPr>
+      <p:sp>
+        <p:nvSpPr>
+          <p:cNvPr id="2" name="Rectangle 1">
+            <a:extLst>
+              <a:ext uri="{FF2B5EF4-FFF2-40B4-BE49-F238E27FC236}">
+                <a16:creationId xmlns:a16="http://schemas.microsoft.com/office/drawing/2014/main" id="{BF639B61-2764-5618-62D5-FCB2B72ED4E6}"/>
+              </a:ext>
+            </a:extLst>
+          </p:cNvPr>
+          <p:cNvSpPr/>
+          <p:nvPr/>
+        </p:nvSpPr>
+        <p:spPr>
+          <a:xfrm>
+            <a:off x="374904" y="1207008"/>
+            <a:ext cx="1764792" cy="1389888"/>
+          </a:xfrm>
+          <a:prstGeom prst="rect">
+            <a:avLst/>
+          </a:prstGeom>
+        </p:spPr>
+        <p:style>
+          <a:lnRef idx="2">
+            <a:schemeClr val="accent1">
+              <a:shade val="15000"/>
+            </a:schemeClr>
+          </a:lnRef>
+          <a:fillRef idx="1">
+            <a:schemeClr val="accent1"/>
+          </a:fillRef>
+          <a:effectRef idx="0">
+            <a:schemeClr val="accent1"/>
+          </a:effectRef>
+          <a:fontRef idx="minor">
+            <a:schemeClr val="lt1"/>
+          </a:fontRef>
+        </p:style>
+        <p:txBody>
+          <a:bodyPr rtlCol="0" anchor="ctr"/>
+          <a:lstStyle/>
+          <a:p>
+            <a:pPr algn="ctr"/>
+            <a:r>
+              <a:rPr lang="en-US" dirty="0"/>
+              <a:t>Component 1</a:t>
+            </a:r>
+          </a:p>
+        </p:txBody>
+      </p:sp>
+      <p:sp>
+        <p:nvSpPr>
+          <p:cNvPr id="3" name="Rectangle 2">
+            <a:extLst>
+              <a:ext uri="{FF2B5EF4-FFF2-40B4-BE49-F238E27FC236}">
+                <a16:creationId xmlns:a16="http://schemas.microsoft.com/office/drawing/2014/main" id="{AE17776A-7688-494E-AFFA-2E7EC38CC094}"/>
+              </a:ext>
+            </a:extLst>
+          </p:cNvPr>
+          <p:cNvSpPr/>
+          <p:nvPr/>
+        </p:nvSpPr>
+        <p:spPr>
+          <a:xfrm>
+            <a:off x="5620512" y="399288"/>
+            <a:ext cx="1764792" cy="1389888"/>
+          </a:xfrm>
+          <a:prstGeom prst="rect">
+            <a:avLst/>
+          </a:prstGeom>
+        </p:spPr>
+        <p:style>
+          <a:lnRef idx="2">
+            <a:schemeClr val="accent1">
+              <a:shade val="15000"/>
+            </a:schemeClr>
+          </a:lnRef>
+          <a:fillRef idx="1">
+            <a:schemeClr val="accent1"/>
+          </a:fillRef>
+          <a:effectRef idx="0">
+            <a:schemeClr val="accent1"/>
+          </a:effectRef>
+          <a:fontRef idx="minor">
+            <a:schemeClr val="lt1"/>
+          </a:fontRef>
+        </p:style>
+        <p:txBody>
+          <a:bodyPr rtlCol="0" anchor="ctr"/>
+          <a:lstStyle/>
+          <a:p>
+            <a:pPr algn="ctr"/>
+            <a:r>
+              <a:rPr lang="en-US" dirty="0"/>
+              <a:t>2. Input Action Creator</a:t>
+            </a:r>
+          </a:p>
+        </p:txBody>
+      </p:sp>
+      <p:cxnSp>
+        <p:nvCxnSpPr>
+          <p:cNvPr id="5" name="Elbow Connector 4">
+            <a:extLst>
+              <a:ext uri="{FF2B5EF4-FFF2-40B4-BE49-F238E27FC236}">
+                <a16:creationId xmlns:a16="http://schemas.microsoft.com/office/drawing/2014/main" id="{8F257444-7F30-1CBF-C3DB-9BA5581149BC}"/>
+              </a:ext>
+            </a:extLst>
+          </p:cNvPr>
+          <p:cNvCxnSpPr>
+            <a:stCxn id="2" idx="0"/>
+            <a:endCxn id="3" idx="1"/>
+          </p:cNvCxnSpPr>
+          <p:nvPr/>
+        </p:nvCxnSpPr>
+        <p:spPr>
+          <a:xfrm rot="5400000" flipH="1" flipV="1">
+            <a:off x="3382518" y="-1030986"/>
+            <a:ext cx="112776" cy="4363212"/>
+          </a:xfrm>
+          <a:prstGeom prst="bentConnector2">
+            <a:avLst/>
+          </a:prstGeom>
+          <a:ln>
+            <a:tailEnd type="triangle"/>
+          </a:ln>
+        </p:spPr>
+        <p:style>
+          <a:lnRef idx="1">
+            <a:schemeClr val="accent1"/>
+          </a:lnRef>
+          <a:fillRef idx="0">
+            <a:schemeClr val="accent1"/>
+          </a:fillRef>
+          <a:effectRef idx="0">
+            <a:schemeClr val="accent1"/>
+          </a:effectRef>
+          <a:fontRef idx="minor">
+            <a:schemeClr val="tx1"/>
+          </a:fontRef>
+        </p:style>
+      </p:cxnSp>
+      <p:sp>
+        <p:nvSpPr>
+          <p:cNvPr id="6" name="Rectangle 5">
+            <a:extLst>
+              <a:ext uri="{FF2B5EF4-FFF2-40B4-BE49-F238E27FC236}">
+                <a16:creationId xmlns:a16="http://schemas.microsoft.com/office/drawing/2014/main" id="{44730EB2-8B2E-CBE1-13B9-938DDD470EC8}"/>
+              </a:ext>
+            </a:extLst>
+          </p:cNvPr>
+          <p:cNvSpPr/>
+          <p:nvPr/>
+        </p:nvSpPr>
+        <p:spPr>
+          <a:xfrm>
+            <a:off x="5635752" y="2471928"/>
+            <a:ext cx="1764792" cy="1389888"/>
+          </a:xfrm>
+          <a:prstGeom prst="rect">
+            <a:avLst/>
+          </a:prstGeom>
+        </p:spPr>
+        <p:style>
+          <a:lnRef idx="2">
+            <a:schemeClr val="accent1">
+              <a:shade val="15000"/>
+            </a:schemeClr>
+          </a:lnRef>
+          <a:fillRef idx="1">
+            <a:schemeClr val="accent1"/>
+          </a:fillRef>
+          <a:effectRef idx="0">
+            <a:schemeClr val="accent1"/>
+          </a:effectRef>
+          <a:fontRef idx="minor">
+            <a:schemeClr val="lt1"/>
+          </a:fontRef>
+        </p:style>
+        <p:txBody>
+          <a:bodyPr rtlCol="0" anchor="ctr"/>
+          <a:lstStyle/>
+          <a:p>
+            <a:pPr algn="ctr"/>
+            <a:r>
+              <a:rPr lang="en-US" dirty="0"/>
+              <a:t>4. Output Action With Data</a:t>
+            </a:r>
+          </a:p>
+        </p:txBody>
+      </p:sp>
+      <p:cxnSp>
+        <p:nvCxnSpPr>
+          <p:cNvPr id="8" name="Elbow Connector 7">
+            <a:extLst>
+              <a:ext uri="{FF2B5EF4-FFF2-40B4-BE49-F238E27FC236}">
+                <a16:creationId xmlns:a16="http://schemas.microsoft.com/office/drawing/2014/main" id="{A3B8705A-4DDE-A110-B6C3-0E08B0BB6462}"/>
+              </a:ext>
+            </a:extLst>
+          </p:cNvPr>
+          <p:cNvCxnSpPr>
+            <a:cxnSpLocks/>
+            <a:stCxn id="3" idx="3"/>
+            <a:endCxn id="6" idx="0"/>
+          </p:cNvCxnSpPr>
+          <p:nvPr/>
+        </p:nvCxnSpPr>
+        <p:spPr>
+          <a:xfrm flipH="1">
+            <a:off x="6518148" y="1094232"/>
+            <a:ext cx="867156" cy="1377696"/>
+          </a:xfrm>
+          <a:prstGeom prst="bentConnector4">
+            <a:avLst>
+              <a:gd name="adj1" fmla="val -26362"/>
+              <a:gd name="adj2" fmla="val 75221"/>
+            </a:avLst>
+          </a:prstGeom>
+          <a:ln>
+            <a:tailEnd type="triangle"/>
+          </a:ln>
+        </p:spPr>
+        <p:style>
+          <a:lnRef idx="1">
+            <a:schemeClr val="accent1"/>
+          </a:lnRef>
+          <a:fillRef idx="0">
+            <a:schemeClr val="accent1"/>
+          </a:fillRef>
+          <a:effectRef idx="0">
+            <a:schemeClr val="accent1"/>
+          </a:effectRef>
+          <a:fontRef idx="minor">
+            <a:schemeClr val="tx1"/>
+          </a:fontRef>
+        </p:style>
+      </p:cxnSp>
+      <p:sp>
+        <p:nvSpPr>
+          <p:cNvPr id="10" name="Rounded Rectangle 9">
+            <a:extLst>
+              <a:ext uri="{FF2B5EF4-FFF2-40B4-BE49-F238E27FC236}">
+                <a16:creationId xmlns:a16="http://schemas.microsoft.com/office/drawing/2014/main" id="{AB05CBF4-7470-8911-D3AE-DE449D00FC99}"/>
+              </a:ext>
+            </a:extLst>
+          </p:cNvPr>
+          <p:cNvSpPr/>
+          <p:nvPr/>
+        </p:nvSpPr>
+        <p:spPr>
+          <a:xfrm>
+            <a:off x="3300984" y="3758184"/>
+            <a:ext cx="1920240" cy="2286000"/>
+          </a:xfrm>
+          <a:prstGeom prst="roundRect">
+            <a:avLst/>
+          </a:prstGeom>
+        </p:spPr>
+        <p:style>
+          <a:lnRef idx="2">
+            <a:schemeClr val="accent1">
+              <a:shade val="15000"/>
+            </a:schemeClr>
+          </a:lnRef>
+          <a:fillRef idx="1">
+            <a:schemeClr val="accent1"/>
+          </a:fillRef>
+          <a:effectRef idx="0">
+            <a:schemeClr val="accent1"/>
+          </a:effectRef>
+          <a:fontRef idx="minor">
+            <a:schemeClr val="lt1"/>
+          </a:fontRef>
+        </p:style>
+        <p:txBody>
+          <a:bodyPr rtlCol="0" anchor="ctr"/>
+          <a:lstStyle/>
+          <a:p>
+            <a:pPr algn="ctr"/>
+            <a:r>
+              <a:rPr lang="en-US" dirty="0"/>
+              <a:t>Reducer</a:t>
+            </a:r>
+          </a:p>
+        </p:txBody>
+      </p:sp>
+      <p:cxnSp>
+        <p:nvCxnSpPr>
+          <p:cNvPr id="12" name="Elbow Connector 11">
+            <a:extLst>
+              <a:ext uri="{FF2B5EF4-FFF2-40B4-BE49-F238E27FC236}">
+                <a16:creationId xmlns:a16="http://schemas.microsoft.com/office/drawing/2014/main" id="{583BD3CB-7E38-C6F1-15E8-A28B5073DC53}"/>
+              </a:ext>
+            </a:extLst>
+          </p:cNvPr>
+          <p:cNvCxnSpPr>
+            <a:stCxn id="10" idx="0"/>
+            <a:endCxn id="6" idx="1"/>
+          </p:cNvCxnSpPr>
+          <p:nvPr/>
+        </p:nvCxnSpPr>
+        <p:spPr>
+          <a:xfrm rot="5400000" flipH="1" flipV="1">
+            <a:off x="4652772" y="2775204"/>
+            <a:ext cx="591312" cy="1374648"/>
+          </a:xfrm>
+          <a:prstGeom prst="bentConnector2">
+            <a:avLst/>
+          </a:prstGeom>
+          <a:ln>
+            <a:tailEnd type="triangle"/>
+          </a:ln>
+        </p:spPr>
+        <p:style>
+          <a:lnRef idx="1">
+            <a:schemeClr val="accent1"/>
+          </a:lnRef>
+          <a:fillRef idx="0">
+            <a:schemeClr val="accent1"/>
+          </a:fillRef>
+          <a:effectRef idx="0">
+            <a:schemeClr val="accent1"/>
+          </a:effectRef>
+          <a:fontRef idx="minor">
+            <a:schemeClr val="tx1"/>
+          </a:fontRef>
+        </p:style>
+      </p:cxnSp>
+      <p:cxnSp>
+        <p:nvCxnSpPr>
+          <p:cNvPr id="14" name="Elbow Connector 13">
+            <a:extLst>
+              <a:ext uri="{FF2B5EF4-FFF2-40B4-BE49-F238E27FC236}">
+                <a16:creationId xmlns:a16="http://schemas.microsoft.com/office/drawing/2014/main" id="{0D6C179F-2421-12DB-9C40-B21DC12F81BD}"/>
+              </a:ext>
+            </a:extLst>
+          </p:cNvPr>
+          <p:cNvCxnSpPr>
+            <a:stCxn id="6" idx="2"/>
+            <a:endCxn id="10" idx="3"/>
+          </p:cNvCxnSpPr>
+          <p:nvPr/>
+        </p:nvCxnSpPr>
+        <p:spPr>
+          <a:xfrm rot="5400000">
+            <a:off x="5350002" y="3733038"/>
+            <a:ext cx="1039368" cy="1296924"/>
+          </a:xfrm>
+          <a:prstGeom prst="bentConnector2">
+            <a:avLst/>
+          </a:prstGeom>
+          <a:ln>
+            <a:tailEnd type="triangle"/>
+          </a:ln>
+        </p:spPr>
+        <p:style>
+          <a:lnRef idx="1">
+            <a:schemeClr val="accent1"/>
+          </a:lnRef>
+          <a:fillRef idx="0">
+            <a:schemeClr val="accent1"/>
+          </a:fillRef>
+          <a:effectRef idx="0">
+            <a:schemeClr val="accent1"/>
+          </a:effectRef>
+          <a:fontRef idx="minor">
+            <a:schemeClr val="tx1"/>
+          </a:fontRef>
+        </p:style>
+      </p:cxnSp>
+      <p:sp>
+        <p:nvSpPr>
+          <p:cNvPr id="15" name="Can 14">
+            <a:extLst>
+              <a:ext uri="{FF2B5EF4-FFF2-40B4-BE49-F238E27FC236}">
+                <a16:creationId xmlns:a16="http://schemas.microsoft.com/office/drawing/2014/main" id="{59BB2488-F8F3-5AEE-D961-AAA4335EA7E2}"/>
+              </a:ext>
+            </a:extLst>
+          </p:cNvPr>
+          <p:cNvSpPr/>
+          <p:nvPr/>
+        </p:nvSpPr>
+        <p:spPr>
+          <a:xfrm>
+            <a:off x="1746504" y="4485132"/>
+            <a:ext cx="1139952" cy="845820"/>
+          </a:xfrm>
+          <a:prstGeom prst="can">
+            <a:avLst/>
+          </a:prstGeom>
+        </p:spPr>
+        <p:style>
+          <a:lnRef idx="2">
+            <a:schemeClr val="accent1">
+              <a:shade val="15000"/>
+            </a:schemeClr>
+          </a:lnRef>
+          <a:fillRef idx="1">
+            <a:schemeClr val="accent1"/>
+          </a:fillRef>
+          <a:effectRef idx="0">
+            <a:schemeClr val="accent1"/>
+          </a:effectRef>
+          <a:fontRef idx="minor">
+            <a:schemeClr val="lt1"/>
+          </a:fontRef>
+        </p:style>
+        <p:txBody>
+          <a:bodyPr rtlCol="0" anchor="ctr"/>
+          <a:lstStyle/>
+          <a:p>
+            <a:pPr algn="ctr"/>
+            <a:r>
+              <a:rPr lang="en-US" dirty="0"/>
+              <a:t>Store</a:t>
+            </a:r>
+          </a:p>
+        </p:txBody>
+      </p:sp>
+      <p:cxnSp>
+        <p:nvCxnSpPr>
+          <p:cNvPr id="17" name="Elbow Connector 16">
+            <a:extLst>
+              <a:ext uri="{FF2B5EF4-FFF2-40B4-BE49-F238E27FC236}">
+                <a16:creationId xmlns:a16="http://schemas.microsoft.com/office/drawing/2014/main" id="{3F6983FB-0659-69CC-C902-9C30278BE485}"/>
+              </a:ext>
+            </a:extLst>
+          </p:cNvPr>
+          <p:cNvCxnSpPr>
+            <a:stCxn id="10" idx="1"/>
+            <a:endCxn id="15" idx="3"/>
+          </p:cNvCxnSpPr>
+          <p:nvPr/>
+        </p:nvCxnSpPr>
+        <p:spPr>
+          <a:xfrm rot="10800000" flipV="1">
+            <a:off x="2316480" y="4901184"/>
+            <a:ext cx="984504" cy="429768"/>
+          </a:xfrm>
+          <a:prstGeom prst="bentConnector4">
+            <a:avLst>
+              <a:gd name="adj1" fmla="val 21053"/>
+              <a:gd name="adj2" fmla="val 319149"/>
+            </a:avLst>
+          </a:prstGeom>
+          <a:ln>
+            <a:tailEnd type="triangle"/>
+          </a:ln>
+        </p:spPr>
+        <p:style>
+          <a:lnRef idx="1">
+            <a:schemeClr val="accent1"/>
+          </a:lnRef>
+          <a:fillRef idx="0">
+            <a:schemeClr val="accent1"/>
+          </a:fillRef>
+          <a:effectRef idx="0">
+            <a:schemeClr val="accent1"/>
+          </a:effectRef>
+          <a:fontRef idx="minor">
+            <a:schemeClr val="tx1"/>
+          </a:fontRef>
+        </p:style>
+      </p:cxnSp>
+      <p:sp>
+        <p:nvSpPr>
+          <p:cNvPr id="18" name="Rectangle 17">
+            <a:extLst>
+              <a:ext uri="{FF2B5EF4-FFF2-40B4-BE49-F238E27FC236}">
+                <a16:creationId xmlns:a16="http://schemas.microsoft.com/office/drawing/2014/main" id="{340A10E5-1031-C086-C102-3717F9E8CE2D}"/>
+              </a:ext>
+            </a:extLst>
+          </p:cNvPr>
+          <p:cNvSpPr/>
+          <p:nvPr/>
+        </p:nvSpPr>
+        <p:spPr>
+          <a:xfrm>
+            <a:off x="211836" y="2871217"/>
+            <a:ext cx="1764792" cy="1389888"/>
+          </a:xfrm>
+          <a:prstGeom prst="rect">
+            <a:avLst/>
+          </a:prstGeom>
+        </p:spPr>
+        <p:style>
+          <a:lnRef idx="2">
+            <a:schemeClr val="accent1">
+              <a:shade val="15000"/>
+            </a:schemeClr>
+          </a:lnRef>
+          <a:fillRef idx="1">
+            <a:schemeClr val="accent1"/>
+          </a:fillRef>
+          <a:effectRef idx="0">
+            <a:schemeClr val="accent1"/>
+          </a:effectRef>
+          <a:fontRef idx="minor">
+            <a:schemeClr val="lt1"/>
+          </a:fontRef>
+        </p:style>
+        <p:txBody>
+          <a:bodyPr rtlCol="0" anchor="ctr"/>
+          <a:lstStyle/>
+          <a:p>
+            <a:pPr algn="ctr"/>
+            <a:r>
+              <a:rPr lang="en-US" dirty="0"/>
+              <a:t>Component 2</a:t>
+            </a:r>
+          </a:p>
+        </p:txBody>
+      </p:sp>
+      <p:cxnSp>
+        <p:nvCxnSpPr>
+          <p:cNvPr id="20" name="Elbow Connector 19">
+            <a:extLst>
+              <a:ext uri="{FF2B5EF4-FFF2-40B4-BE49-F238E27FC236}">
+                <a16:creationId xmlns:a16="http://schemas.microsoft.com/office/drawing/2014/main" id="{09C129D3-28D5-DEA1-F1E7-EFD6A6E93DB5}"/>
+              </a:ext>
+            </a:extLst>
+          </p:cNvPr>
+          <p:cNvCxnSpPr>
+            <a:stCxn id="2" idx="3"/>
+            <a:endCxn id="15" idx="1"/>
+          </p:cNvCxnSpPr>
+          <p:nvPr/>
+        </p:nvCxnSpPr>
+        <p:spPr>
+          <a:xfrm>
+            <a:off x="2139696" y="1901952"/>
+            <a:ext cx="176784" cy="2583180"/>
+          </a:xfrm>
+          <a:prstGeom prst="bentConnector2">
+            <a:avLst/>
+          </a:prstGeom>
+          <a:ln>
+            <a:headEnd type="triangle"/>
+            <a:tailEnd type="triangle"/>
+          </a:ln>
+        </p:spPr>
+        <p:style>
+          <a:lnRef idx="1">
+            <a:schemeClr val="accent1"/>
+          </a:lnRef>
+          <a:fillRef idx="0">
+            <a:schemeClr val="accent1"/>
+          </a:fillRef>
+          <a:effectRef idx="0">
+            <a:schemeClr val="accent1"/>
+          </a:effectRef>
+          <a:fontRef idx="minor">
+            <a:schemeClr val="tx1"/>
+          </a:fontRef>
+        </p:style>
+      </p:cxnSp>
+      <p:cxnSp>
+        <p:nvCxnSpPr>
+          <p:cNvPr id="22" name="Elbow Connector 21">
+            <a:extLst>
+              <a:ext uri="{FF2B5EF4-FFF2-40B4-BE49-F238E27FC236}">
+                <a16:creationId xmlns:a16="http://schemas.microsoft.com/office/drawing/2014/main" id="{CB45533F-3CCB-BC04-2C39-5E15C97884C8}"/>
+              </a:ext>
+            </a:extLst>
+          </p:cNvPr>
+          <p:cNvCxnSpPr>
+            <a:stCxn id="18" idx="2"/>
+            <a:endCxn id="15" idx="2"/>
+          </p:cNvCxnSpPr>
+          <p:nvPr/>
+        </p:nvCxnSpPr>
+        <p:spPr>
+          <a:xfrm rot="16200000" flipH="1">
+            <a:off x="1096900" y="4258437"/>
+            <a:ext cx="646937" cy="652272"/>
+          </a:xfrm>
+          <a:prstGeom prst="bentConnector2">
+            <a:avLst/>
+          </a:prstGeom>
+          <a:ln>
+            <a:headEnd type="triangle"/>
+            <a:tailEnd type="triangle"/>
+          </a:ln>
+        </p:spPr>
+        <p:style>
+          <a:lnRef idx="1">
+            <a:schemeClr val="accent1"/>
+          </a:lnRef>
+          <a:fillRef idx="0">
+            <a:schemeClr val="accent1"/>
+          </a:fillRef>
+          <a:effectRef idx="0">
+            <a:schemeClr val="accent1"/>
+          </a:effectRef>
+          <a:fontRef idx="minor">
+            <a:schemeClr val="tx1"/>
+          </a:fontRef>
+        </p:style>
+      </p:cxnSp>
+      <p:sp>
+        <p:nvSpPr>
+          <p:cNvPr id="23" name="TextBox 22">
+            <a:extLst>
+              <a:ext uri="{FF2B5EF4-FFF2-40B4-BE49-F238E27FC236}">
+                <a16:creationId xmlns:a16="http://schemas.microsoft.com/office/drawing/2014/main" id="{FD2BC722-06BA-412C-E688-8164F5C43328}"/>
+              </a:ext>
+            </a:extLst>
+          </p:cNvPr>
+          <p:cNvSpPr txBox="1"/>
+          <p:nvPr/>
+        </p:nvSpPr>
+        <p:spPr>
+          <a:xfrm>
+            <a:off x="2431541" y="633603"/>
+            <a:ext cx="2375155" cy="369332"/>
+          </a:xfrm>
+          <a:prstGeom prst="rect">
+            <a:avLst/>
+          </a:prstGeom>
+          <a:noFill/>
+        </p:spPr>
+        <p:txBody>
+          <a:bodyPr wrap="square" rtlCol="0">
+            <a:spAutoFit/>
+          </a:bodyPr>
+          <a:lstStyle/>
+          <a:p>
+            <a:r>
+              <a:rPr lang="en-US" dirty="0"/>
+              <a:t>1. Dispatch</a:t>
+            </a:r>
+          </a:p>
+        </p:txBody>
+      </p:sp>
+      <p:sp>
+        <p:nvSpPr>
+          <p:cNvPr id="24" name="TextBox 23">
+            <a:extLst>
+              <a:ext uri="{FF2B5EF4-FFF2-40B4-BE49-F238E27FC236}">
+                <a16:creationId xmlns:a16="http://schemas.microsoft.com/office/drawing/2014/main" id="{3D980B61-1006-ECD2-BB3F-46413D4364E5}"/>
+              </a:ext>
+            </a:extLst>
+          </p:cNvPr>
+          <p:cNvSpPr txBox="1"/>
+          <p:nvPr/>
+        </p:nvSpPr>
+        <p:spPr>
+          <a:xfrm>
+            <a:off x="6096000" y="1817847"/>
+            <a:ext cx="2375155" cy="369332"/>
+          </a:xfrm>
+          <a:prstGeom prst="rect">
+            <a:avLst/>
+          </a:prstGeom>
+          <a:noFill/>
+        </p:spPr>
+        <p:txBody>
+          <a:bodyPr wrap="square" rtlCol="0">
+            <a:spAutoFit/>
+          </a:bodyPr>
+          <a:lstStyle/>
+          <a:p>
+            <a:r>
+              <a:rPr lang="en-US" dirty="0"/>
+              <a:t>3. Output Action</a:t>
+            </a:r>
+          </a:p>
+        </p:txBody>
+      </p:sp>
+      <p:sp>
+        <p:nvSpPr>
+          <p:cNvPr id="25" name="TextBox 24">
+            <a:extLst>
+              <a:ext uri="{FF2B5EF4-FFF2-40B4-BE49-F238E27FC236}">
+                <a16:creationId xmlns:a16="http://schemas.microsoft.com/office/drawing/2014/main" id="{B113DA59-B32D-D8D2-F0CC-81450FB2EF66}"/>
+              </a:ext>
+            </a:extLst>
+          </p:cNvPr>
+          <p:cNvSpPr txBox="1"/>
+          <p:nvPr/>
+        </p:nvSpPr>
+        <p:spPr>
+          <a:xfrm>
+            <a:off x="3765423" y="2673335"/>
+            <a:ext cx="2375155" cy="369332"/>
+          </a:xfrm>
+          <a:prstGeom prst="rect">
+            <a:avLst/>
+          </a:prstGeom>
+          <a:noFill/>
+        </p:spPr>
+        <p:txBody>
+          <a:bodyPr wrap="square" rtlCol="0">
+            <a:spAutoFit/>
+          </a:bodyPr>
+          <a:lstStyle/>
+          <a:p>
+            <a:r>
+              <a:rPr lang="en-US" dirty="0"/>
+              <a:t>5. Listen to Action</a:t>
+            </a:r>
+          </a:p>
+        </p:txBody>
+      </p:sp>
+      <p:sp>
+        <p:nvSpPr>
+          <p:cNvPr id="26" name="TextBox 25">
+            <a:extLst>
+              <a:ext uri="{FF2B5EF4-FFF2-40B4-BE49-F238E27FC236}">
+                <a16:creationId xmlns:a16="http://schemas.microsoft.com/office/drawing/2014/main" id="{78384875-FBD6-78FB-A986-43D1502A9A16}"/>
+              </a:ext>
+            </a:extLst>
+          </p:cNvPr>
+          <p:cNvSpPr txBox="1"/>
+          <p:nvPr/>
+        </p:nvSpPr>
+        <p:spPr>
+          <a:xfrm>
+            <a:off x="5454015" y="4480277"/>
+            <a:ext cx="2375155" cy="646331"/>
+          </a:xfrm>
+          <a:prstGeom prst="rect">
+            <a:avLst/>
+          </a:prstGeom>
+          <a:noFill/>
+        </p:spPr>
+        <p:txBody>
+          <a:bodyPr wrap="square" rtlCol="0">
+            <a:spAutoFit/>
+          </a:bodyPr>
+          <a:lstStyle/>
+          <a:p>
+            <a:r>
+              <a:rPr lang="en-US" dirty="0"/>
+              <a:t>6. Read Data from Action</a:t>
+            </a:r>
+          </a:p>
+        </p:txBody>
+      </p:sp>
+      <p:sp>
+        <p:nvSpPr>
+          <p:cNvPr id="27" name="TextBox 26">
+            <a:extLst>
+              <a:ext uri="{FF2B5EF4-FFF2-40B4-BE49-F238E27FC236}">
+                <a16:creationId xmlns:a16="http://schemas.microsoft.com/office/drawing/2014/main" id="{5E9D8F42-4A58-3A89-767D-AC15FEEF1873}"/>
+              </a:ext>
+            </a:extLst>
+          </p:cNvPr>
+          <p:cNvSpPr txBox="1"/>
+          <p:nvPr/>
+        </p:nvSpPr>
+        <p:spPr>
+          <a:xfrm>
+            <a:off x="1885949" y="6341364"/>
+            <a:ext cx="2375155" cy="646331"/>
+          </a:xfrm>
+          <a:prstGeom prst="rect">
+            <a:avLst/>
+          </a:prstGeom>
+          <a:noFill/>
+        </p:spPr>
+        <p:txBody>
+          <a:bodyPr wrap="square" rtlCol="0">
+            <a:spAutoFit/>
+          </a:bodyPr>
+          <a:lstStyle/>
+          <a:p>
+            <a:r>
+              <a:rPr lang="en-US" dirty="0"/>
+              <a:t>7. Update State in Store</a:t>
+            </a:r>
+          </a:p>
+        </p:txBody>
+      </p:sp>
+      <p:sp>
+        <p:nvSpPr>
+          <p:cNvPr id="28" name="TextBox 27">
+            <a:extLst>
+              <a:ext uri="{FF2B5EF4-FFF2-40B4-BE49-F238E27FC236}">
+                <a16:creationId xmlns:a16="http://schemas.microsoft.com/office/drawing/2014/main" id="{B6420574-D86C-E165-2DA0-57B719B7706B}"/>
+              </a:ext>
+            </a:extLst>
+          </p:cNvPr>
+          <p:cNvSpPr txBox="1"/>
+          <p:nvPr/>
+        </p:nvSpPr>
+        <p:spPr>
+          <a:xfrm>
+            <a:off x="1853375" y="2589276"/>
+            <a:ext cx="1374648" cy="646331"/>
+          </a:xfrm>
+          <a:prstGeom prst="rect">
+            <a:avLst/>
+          </a:prstGeom>
+          <a:noFill/>
+        </p:spPr>
+        <p:txBody>
+          <a:bodyPr wrap="square" rtlCol="0">
+            <a:spAutoFit/>
+          </a:bodyPr>
+          <a:lstStyle/>
+          <a:p>
+            <a:r>
+              <a:rPr lang="en-US" dirty="0"/>
+              <a:t>8.Store</a:t>
+            </a:r>
+          </a:p>
+          <a:p>
+            <a:r>
+              <a:rPr lang="en-US" dirty="0"/>
+              <a:t>Subscription</a:t>
+            </a:r>
+          </a:p>
+        </p:txBody>
+      </p:sp>
+      <p:sp>
+        <p:nvSpPr>
+          <p:cNvPr id="29" name="TextBox 28">
+            <a:extLst>
+              <a:ext uri="{FF2B5EF4-FFF2-40B4-BE49-F238E27FC236}">
+                <a16:creationId xmlns:a16="http://schemas.microsoft.com/office/drawing/2014/main" id="{4D0C0055-772D-CD64-39D0-D6CFA581E0C7}"/>
+              </a:ext>
+            </a:extLst>
+          </p:cNvPr>
+          <p:cNvSpPr txBox="1"/>
+          <p:nvPr/>
+        </p:nvSpPr>
+        <p:spPr>
+          <a:xfrm>
+            <a:off x="312229" y="4592193"/>
+            <a:ext cx="1374648" cy="1754326"/>
+          </a:xfrm>
+          <a:prstGeom prst="rect">
+            <a:avLst/>
+          </a:prstGeom>
+          <a:noFill/>
+        </p:spPr>
+        <p:txBody>
+          <a:bodyPr wrap="square" rtlCol="0">
+            <a:spAutoFit/>
+          </a:bodyPr>
+          <a:lstStyle/>
+          <a:p>
+            <a:r>
+              <a:rPr lang="en-US" dirty="0"/>
+              <a:t>8. Store</a:t>
+            </a:r>
+          </a:p>
+          <a:p>
+            <a:r>
+              <a:rPr lang="en-US" dirty="0"/>
+              <a:t>Subscription</a:t>
+            </a:r>
+          </a:p>
+          <a:p>
+            <a:endParaRPr lang="en-US" dirty="0"/>
+          </a:p>
+          <a:p>
+            <a:r>
+              <a:rPr lang="en-US" dirty="0"/>
+              <a:t>To Notify data back to Component</a:t>
+            </a:r>
+          </a:p>
+        </p:txBody>
+      </p:sp>
+      <p:sp>
+        <p:nvSpPr>
+          <p:cNvPr id="30" name="Rounded Rectangle 29">
+            <a:extLst>
+              <a:ext uri="{FF2B5EF4-FFF2-40B4-BE49-F238E27FC236}">
+                <a16:creationId xmlns:a16="http://schemas.microsoft.com/office/drawing/2014/main" id="{7ACE8587-1AA9-0328-70CE-33520770CA69}"/>
+              </a:ext>
+            </a:extLst>
+          </p:cNvPr>
+          <p:cNvSpPr/>
+          <p:nvPr/>
+        </p:nvSpPr>
+        <p:spPr>
+          <a:xfrm>
+            <a:off x="9025128" y="1783080"/>
+            <a:ext cx="1883664" cy="1129361"/>
+          </a:xfrm>
+          <a:prstGeom prst="roundRect">
+            <a:avLst/>
+          </a:prstGeom>
+        </p:spPr>
+        <p:style>
+          <a:lnRef idx="2">
+            <a:schemeClr val="accent1">
+              <a:shade val="15000"/>
+            </a:schemeClr>
+          </a:lnRef>
+          <a:fillRef idx="1">
+            <a:schemeClr val="accent1"/>
+          </a:fillRef>
+          <a:effectRef idx="0">
+            <a:schemeClr val="accent1"/>
+          </a:effectRef>
+          <a:fontRef idx="minor">
+            <a:schemeClr val="lt1"/>
+          </a:fontRef>
+        </p:style>
+        <p:txBody>
+          <a:bodyPr rtlCol="0" anchor="ctr"/>
+          <a:lstStyle/>
+          <a:p>
+            <a:pPr algn="ctr"/>
+            <a:r>
+              <a:rPr lang="en-US" dirty="0"/>
+              <a:t>HTTP Service</a:t>
+            </a:r>
+          </a:p>
+        </p:txBody>
+      </p:sp>
+      <p:cxnSp>
+        <p:nvCxnSpPr>
+          <p:cNvPr id="32" name="Elbow Connector 31">
+            <a:extLst>
+              <a:ext uri="{FF2B5EF4-FFF2-40B4-BE49-F238E27FC236}">
+                <a16:creationId xmlns:a16="http://schemas.microsoft.com/office/drawing/2014/main" id="{7792AF7C-9C34-9E69-B0CF-81E95B32A329}"/>
+              </a:ext>
+            </a:extLst>
+          </p:cNvPr>
+          <p:cNvCxnSpPr>
+            <a:stCxn id="3" idx="0"/>
+            <a:endCxn id="30" idx="0"/>
+          </p:cNvCxnSpPr>
+          <p:nvPr/>
+        </p:nvCxnSpPr>
+        <p:spPr>
+          <a:xfrm rot="16200000" flipH="1">
+            <a:off x="7543038" y="-640842"/>
+            <a:ext cx="1383792" cy="3464052"/>
+          </a:xfrm>
+          <a:prstGeom prst="bentConnector3">
+            <a:avLst>
+              <a:gd name="adj1" fmla="val -16520"/>
+            </a:avLst>
+          </a:prstGeom>
+          <a:ln>
+            <a:tailEnd type="triangle"/>
+          </a:ln>
+        </p:spPr>
+        <p:style>
+          <a:lnRef idx="1">
+            <a:schemeClr val="accent1"/>
+          </a:lnRef>
+          <a:fillRef idx="0">
+            <a:schemeClr val="accent1"/>
+          </a:fillRef>
+          <a:effectRef idx="0">
+            <a:schemeClr val="accent1"/>
+          </a:effectRef>
+          <a:fontRef idx="minor">
+            <a:schemeClr val="tx1"/>
+          </a:fontRef>
+        </p:style>
+      </p:cxnSp>
+      <p:sp>
+        <p:nvSpPr>
+          <p:cNvPr id="33" name="TextBox 32">
+            <a:extLst>
+              <a:ext uri="{FF2B5EF4-FFF2-40B4-BE49-F238E27FC236}">
+                <a16:creationId xmlns:a16="http://schemas.microsoft.com/office/drawing/2014/main" id="{03DC7DB2-6FCF-3C1D-ECA4-A4340063D874}"/>
+              </a:ext>
+            </a:extLst>
+          </p:cNvPr>
+          <p:cNvSpPr txBox="1"/>
+          <p:nvPr/>
+        </p:nvSpPr>
+        <p:spPr>
+          <a:xfrm>
+            <a:off x="9412224" y="653719"/>
+            <a:ext cx="1374648" cy="646331"/>
+          </a:xfrm>
+          <a:prstGeom prst="rect">
+            <a:avLst/>
+          </a:prstGeom>
+          <a:noFill/>
+        </p:spPr>
+        <p:txBody>
+          <a:bodyPr wrap="square" rtlCol="0">
+            <a:spAutoFit/>
+          </a:bodyPr>
+          <a:lstStyle/>
+          <a:p>
+            <a:r>
+              <a:rPr lang="en-US" dirty="0"/>
+              <a:t>2.a. Async Call</a:t>
+            </a:r>
+          </a:p>
+        </p:txBody>
+      </p:sp>
+      <p:sp>
+        <p:nvSpPr>
+          <p:cNvPr id="34" name="Rounded Rectangle 33">
+            <a:extLst>
+              <a:ext uri="{FF2B5EF4-FFF2-40B4-BE49-F238E27FC236}">
+                <a16:creationId xmlns:a16="http://schemas.microsoft.com/office/drawing/2014/main" id="{7EAF50C5-D728-2090-0D5E-801BD069F59E}"/>
+              </a:ext>
+            </a:extLst>
+          </p:cNvPr>
+          <p:cNvSpPr/>
+          <p:nvPr/>
+        </p:nvSpPr>
+        <p:spPr>
+          <a:xfrm>
+            <a:off x="8199120" y="3666744"/>
+            <a:ext cx="2225040" cy="1536192"/>
+          </a:xfrm>
+          <a:prstGeom prst="roundRect">
+            <a:avLst/>
+          </a:prstGeom>
+        </p:spPr>
+        <p:style>
+          <a:lnRef idx="2">
+            <a:schemeClr val="accent1">
+              <a:shade val="15000"/>
+            </a:schemeClr>
+          </a:lnRef>
+          <a:fillRef idx="1">
+            <a:schemeClr val="accent1"/>
+          </a:fillRef>
+          <a:effectRef idx="0">
+            <a:schemeClr val="accent1"/>
+          </a:effectRef>
+          <a:fontRef idx="minor">
+            <a:schemeClr val="lt1"/>
+          </a:fontRef>
+        </p:style>
+        <p:txBody>
+          <a:bodyPr rtlCol="0" anchor="ctr"/>
+          <a:lstStyle/>
+          <a:p>
+            <a:pPr algn="ctr"/>
+            <a:r>
+              <a:rPr lang="en-US" dirty="0"/>
+              <a:t>Monitor the Async State of Execution and then dispatch Output Action with Data</a:t>
+            </a:r>
+          </a:p>
+        </p:txBody>
+      </p:sp>
+      <p:cxnSp>
+        <p:nvCxnSpPr>
+          <p:cNvPr id="36" name="Elbow Connector 35">
+            <a:extLst>
+              <a:ext uri="{FF2B5EF4-FFF2-40B4-BE49-F238E27FC236}">
+                <a16:creationId xmlns:a16="http://schemas.microsoft.com/office/drawing/2014/main" id="{8D8945C1-D991-F221-391F-B1D2D1C32000}"/>
+              </a:ext>
+            </a:extLst>
+          </p:cNvPr>
+          <p:cNvCxnSpPr>
+            <a:stCxn id="34" idx="1"/>
+            <a:endCxn id="6" idx="3"/>
+          </p:cNvCxnSpPr>
+          <p:nvPr/>
+        </p:nvCxnSpPr>
+        <p:spPr>
+          <a:xfrm rot="10800000">
+            <a:off x="7400544" y="3166872"/>
+            <a:ext cx="798576" cy="1267968"/>
+          </a:xfrm>
+          <a:prstGeom prst="bentConnector3">
+            <a:avLst/>
+          </a:prstGeom>
+          <a:ln>
+            <a:tailEnd type="triangle"/>
+          </a:ln>
+        </p:spPr>
+        <p:style>
+          <a:lnRef idx="1">
+            <a:schemeClr val="accent1"/>
+          </a:lnRef>
+          <a:fillRef idx="0">
+            <a:schemeClr val="accent1"/>
+          </a:fillRef>
+          <a:effectRef idx="0">
+            <a:schemeClr val="accent1"/>
+          </a:effectRef>
+          <a:fontRef idx="minor">
+            <a:schemeClr val="tx1"/>
+          </a:fontRef>
+        </p:style>
+      </p:cxnSp>
+      <p:sp>
+        <p:nvSpPr>
+          <p:cNvPr id="38" name="Explosion 1 37">
+            <a:extLst>
+              <a:ext uri="{FF2B5EF4-FFF2-40B4-BE49-F238E27FC236}">
+                <a16:creationId xmlns:a16="http://schemas.microsoft.com/office/drawing/2014/main" id="{5F6CABBD-4937-36B7-58B1-7083FE471180}"/>
+              </a:ext>
+            </a:extLst>
+          </p:cNvPr>
+          <p:cNvSpPr/>
+          <p:nvPr/>
+        </p:nvSpPr>
+        <p:spPr>
+          <a:xfrm>
+            <a:off x="10480548" y="3025217"/>
+            <a:ext cx="1484376" cy="1267968"/>
+          </a:xfrm>
+          <a:prstGeom prst="irregularSeal1">
+            <a:avLst/>
+          </a:prstGeom>
+        </p:spPr>
+        <p:style>
+          <a:lnRef idx="2">
+            <a:schemeClr val="accent1">
+              <a:shade val="15000"/>
+            </a:schemeClr>
+          </a:lnRef>
+          <a:fillRef idx="1">
+            <a:schemeClr val="accent1"/>
+          </a:fillRef>
+          <a:effectRef idx="0">
+            <a:schemeClr val="accent1"/>
+          </a:effectRef>
+          <a:fontRef idx="minor">
+            <a:schemeClr val="lt1"/>
+          </a:fontRef>
+        </p:style>
+        <p:txBody>
+          <a:bodyPr rtlCol="0" anchor="ctr"/>
+          <a:lstStyle/>
+          <a:p>
+            <a:pPr algn="ctr"/>
+            <a:r>
+              <a:rPr lang="en-US" dirty="0"/>
+              <a:t>Async State</a:t>
+            </a:r>
+          </a:p>
+        </p:txBody>
+      </p:sp>
+      <p:cxnSp>
+        <p:nvCxnSpPr>
+          <p:cNvPr id="40" name="Elbow Connector 39">
+            <a:extLst>
+              <a:ext uri="{FF2B5EF4-FFF2-40B4-BE49-F238E27FC236}">
+                <a16:creationId xmlns:a16="http://schemas.microsoft.com/office/drawing/2014/main" id="{CE427C2A-F4EE-81C4-13AC-9D21537292C2}"/>
+              </a:ext>
+            </a:extLst>
+          </p:cNvPr>
+          <p:cNvCxnSpPr>
+            <a:stCxn id="30" idx="3"/>
+            <a:endCxn id="38" idx="0"/>
+          </p:cNvCxnSpPr>
+          <p:nvPr/>
+        </p:nvCxnSpPr>
+        <p:spPr>
+          <a:xfrm>
+            <a:off x="10908792" y="2347761"/>
+            <a:ext cx="569724" cy="677456"/>
+          </a:xfrm>
+          <a:prstGeom prst="bentConnector2">
+            <a:avLst/>
+          </a:prstGeom>
+          <a:ln>
+            <a:tailEnd type="triangle"/>
+          </a:ln>
+        </p:spPr>
+        <p:style>
+          <a:lnRef idx="1">
+            <a:schemeClr val="accent1"/>
+          </a:lnRef>
+          <a:fillRef idx="0">
+            <a:schemeClr val="accent1"/>
+          </a:fillRef>
+          <a:effectRef idx="0">
+            <a:schemeClr val="accent1"/>
+          </a:effectRef>
+          <a:fontRef idx="minor">
+            <a:schemeClr val="tx1"/>
+          </a:fontRef>
+        </p:style>
+      </p:cxnSp>
+      <p:cxnSp>
+        <p:nvCxnSpPr>
+          <p:cNvPr id="42" name="Elbow Connector 41">
+            <a:extLst>
+              <a:ext uri="{FF2B5EF4-FFF2-40B4-BE49-F238E27FC236}">
+                <a16:creationId xmlns:a16="http://schemas.microsoft.com/office/drawing/2014/main" id="{F6BFBF4B-DC63-30B6-4209-30061D92ACF7}"/>
+              </a:ext>
+            </a:extLst>
+          </p:cNvPr>
+          <p:cNvCxnSpPr>
+            <a:cxnSpLocks/>
+            <a:endCxn id="34" idx="3"/>
+          </p:cNvCxnSpPr>
+          <p:nvPr/>
+        </p:nvCxnSpPr>
+        <p:spPr>
+          <a:xfrm rot="10800000" flipV="1">
+            <a:off x="10424160" y="4293180"/>
+            <a:ext cx="667514" cy="141659"/>
+          </a:xfrm>
+          <a:prstGeom prst="bentConnector3">
+            <a:avLst/>
+          </a:prstGeom>
+          <a:ln>
+            <a:tailEnd type="triangle"/>
+          </a:ln>
+        </p:spPr>
+        <p:style>
+          <a:lnRef idx="1">
+            <a:schemeClr val="accent1"/>
+          </a:lnRef>
+          <a:fillRef idx="0">
+            <a:schemeClr val="accent1"/>
+          </a:fillRef>
+          <a:effectRef idx="0">
+            <a:schemeClr val="accent1"/>
+          </a:effectRef>
+          <a:fontRef idx="minor">
+            <a:schemeClr val="tx1"/>
+          </a:fontRef>
+        </p:style>
+      </p:cxnSp>
+      <p:sp>
+        <p:nvSpPr>
+          <p:cNvPr id="44" name="TextBox 43">
+            <a:extLst>
+              <a:ext uri="{FF2B5EF4-FFF2-40B4-BE49-F238E27FC236}">
+                <a16:creationId xmlns:a16="http://schemas.microsoft.com/office/drawing/2014/main" id="{BAADCA0A-BBDE-9CD4-C9BE-D3AD0CF254C0}"/>
+              </a:ext>
+            </a:extLst>
+          </p:cNvPr>
+          <p:cNvSpPr txBox="1"/>
+          <p:nvPr/>
+        </p:nvSpPr>
+        <p:spPr>
+          <a:xfrm>
+            <a:off x="10757917" y="4664943"/>
+            <a:ext cx="1347215" cy="923330"/>
+          </a:xfrm>
+          <a:prstGeom prst="rect">
+            <a:avLst/>
+          </a:prstGeom>
+          <a:noFill/>
+        </p:spPr>
+        <p:txBody>
+          <a:bodyPr wrap="square" rtlCol="0">
+            <a:spAutoFit/>
+          </a:bodyPr>
+          <a:lstStyle/>
+          <a:p>
+            <a:r>
+              <a:rPr lang="en-US" dirty="0"/>
+              <a:t>2.b.</a:t>
+            </a:r>
+          </a:p>
+          <a:p>
+            <a:pPr marL="342900" indent="-342900">
+              <a:buAutoNum type="arabicPeriod"/>
+            </a:pPr>
+            <a:r>
+              <a:rPr lang="en-US" dirty="0"/>
+              <a:t>Success</a:t>
+            </a:r>
+          </a:p>
+          <a:p>
+            <a:pPr marL="342900" indent="-342900">
+              <a:buAutoNum type="arabicPeriod"/>
+            </a:pPr>
+            <a:r>
+              <a:rPr lang="en-US" dirty="0"/>
+              <a:t>Failed</a:t>
+            </a:r>
+          </a:p>
+        </p:txBody>
+      </p:sp>
+      <p:sp>
+        <p:nvSpPr>
+          <p:cNvPr id="45" name="TextBox 44">
+            <a:extLst>
+              <a:ext uri="{FF2B5EF4-FFF2-40B4-BE49-F238E27FC236}">
+                <a16:creationId xmlns:a16="http://schemas.microsoft.com/office/drawing/2014/main" id="{7B58C1B5-2CA4-05B9-C722-D0031E826DA2}"/>
+              </a:ext>
+            </a:extLst>
+          </p:cNvPr>
+          <p:cNvSpPr txBox="1"/>
+          <p:nvPr/>
+        </p:nvSpPr>
+        <p:spPr>
+          <a:xfrm>
+            <a:off x="8055864" y="5413248"/>
+            <a:ext cx="3035810" cy="369332"/>
+          </a:xfrm>
+          <a:prstGeom prst="rect">
+            <a:avLst/>
+          </a:prstGeom>
+          <a:noFill/>
+        </p:spPr>
+        <p:txBody>
+          <a:bodyPr wrap="square" rtlCol="0">
+            <a:spAutoFit/>
+          </a:bodyPr>
+          <a:lstStyle/>
+          <a:p>
+            <a:pPr algn="ctr"/>
+            <a:r>
+              <a:rPr lang="en-US" dirty="0"/>
+              <a:t>MIDDLEWARE</a:t>
+            </a:r>
+          </a:p>
+        </p:txBody>
+      </p:sp>
+      <p:sp>
+        <p:nvSpPr>
+          <p:cNvPr id="46" name="TextBox 45">
+            <a:extLst>
+              <a:ext uri="{FF2B5EF4-FFF2-40B4-BE49-F238E27FC236}">
+                <a16:creationId xmlns:a16="http://schemas.microsoft.com/office/drawing/2014/main" id="{844EAF8F-34F9-1BFC-F8A4-430DBE75B1BC}"/>
+              </a:ext>
+            </a:extLst>
+          </p:cNvPr>
+          <p:cNvSpPr txBox="1"/>
+          <p:nvPr/>
+        </p:nvSpPr>
+        <p:spPr>
+          <a:xfrm>
+            <a:off x="7516368" y="2779776"/>
+            <a:ext cx="2307336" cy="646331"/>
+          </a:xfrm>
+          <a:prstGeom prst="rect">
+            <a:avLst/>
+          </a:prstGeom>
+          <a:noFill/>
+        </p:spPr>
+        <p:txBody>
+          <a:bodyPr wrap="square" rtlCol="0">
+            <a:spAutoFit/>
+          </a:bodyPr>
+          <a:lstStyle/>
+          <a:p>
+            <a:r>
+              <a:rPr lang="en-US" dirty="0"/>
+              <a:t>2.c. Provide result to Output Action Creator</a:t>
+            </a:r>
+          </a:p>
+        </p:txBody>
+      </p:sp>
+    </p:spTree>
+    <p:extLst>
+      <p:ext uri="{BB962C8B-B14F-4D97-AF65-F5344CB8AC3E}">
+        <p14:creationId xmlns:p14="http://schemas.microsoft.com/office/powerpoint/2010/main" val="2281181677"/>
+      </p:ext>
+    </p:extLst>
+  </p:cSld>
+  <p:clrMapOvr>
+    <a:masterClrMapping/>
+  </p:clrMapOvr>
+</p:sld>
+</file>
+
+<file path=ppt/slides/slide11.xml><?xml version="1.0" encoding="utf-8"?>
+<p:sld xmlns:a="http://schemas.openxmlformats.org/drawingml/2006/main" xmlns:r="http://schemas.openxmlformats.org/officeDocument/2006/relationships" xmlns:p="http://schemas.openxmlformats.org/presentationml/2006/main">
+  <p:cSld>
+    <p:spTree>
+      <p:nvGrpSpPr>
+        <p:cNvPr id="1" name=""/>
+        <p:cNvGrpSpPr/>
+        <p:nvPr/>
+      </p:nvGrpSpPr>
+      <p:grpSpPr>
+        <a:xfrm>
+          <a:off x="0" y="0"/>
+          <a:ext cx="0" cy="0"/>
+          <a:chOff x="0" y="0"/>
+          <a:chExt cx="0" cy="0"/>
+        </a:xfrm>
+      </p:grpSpPr>
+      <p:sp>
+        <p:nvSpPr>
+          <p:cNvPr id="2" name="Rectangle 1">
+            <a:extLst>
+              <a:ext uri="{FF2B5EF4-FFF2-40B4-BE49-F238E27FC236}">
+                <a16:creationId xmlns:a16="http://schemas.microsoft.com/office/drawing/2014/main" id="{F1E015F8-9446-C61F-F986-6AA0863504AF}"/>
+              </a:ext>
+            </a:extLst>
+          </p:cNvPr>
+          <p:cNvSpPr/>
+          <p:nvPr/>
+        </p:nvSpPr>
+        <p:spPr>
+          <a:xfrm>
+            <a:off x="3538728" y="640080"/>
+            <a:ext cx="5614416" cy="1408176"/>
+          </a:xfrm>
+          <a:prstGeom prst="rect">
+            <a:avLst/>
+          </a:prstGeom>
+        </p:spPr>
+        <p:style>
+          <a:lnRef idx="2">
+            <a:schemeClr val="accent1">
+              <a:shade val="15000"/>
+            </a:schemeClr>
+          </a:lnRef>
+          <a:fillRef idx="1">
+            <a:schemeClr val="accent1"/>
+          </a:fillRef>
+          <a:effectRef idx="0">
+            <a:schemeClr val="accent1"/>
+          </a:effectRef>
+          <a:fontRef idx="minor">
+            <a:schemeClr val="lt1"/>
+          </a:fontRef>
+        </p:style>
+        <p:txBody>
+          <a:bodyPr rtlCol="0" anchor="ctr"/>
+          <a:lstStyle/>
+          <a:p>
+            <a:pPr algn="ctr"/>
+            <a:r>
+              <a:rPr lang="en-US" b="1" dirty="0"/>
+              <a:t>Effect</a:t>
+            </a:r>
+          </a:p>
+          <a:p>
+            <a:pPr algn="ctr"/>
+            <a:r>
+              <a:rPr lang="en-US" b="1" dirty="0"/>
+              <a:t>Middleware Behavior containing</a:t>
+            </a:r>
+          </a:p>
+          <a:p>
+            <a:pPr algn="ctr"/>
+            <a:r>
+              <a:rPr lang="en-US" b="1" dirty="0"/>
+              <a:t>Methods to Handle Async Calls</a:t>
+            </a:r>
+          </a:p>
+          <a:p>
+            <a:pPr algn="ctr"/>
+            <a:r>
+              <a:rPr lang="en-US" b="1" dirty="0"/>
+              <a:t>And Organize the Response </a:t>
+            </a:r>
+          </a:p>
+        </p:txBody>
+      </p:sp>
+      <p:sp>
+        <p:nvSpPr>
+          <p:cNvPr id="3" name="Rounded Rectangle 2">
+            <a:extLst>
+              <a:ext uri="{FF2B5EF4-FFF2-40B4-BE49-F238E27FC236}">
+                <a16:creationId xmlns:a16="http://schemas.microsoft.com/office/drawing/2014/main" id="{F060466B-EC98-0EE2-9E5F-3572DE937D58}"/>
+              </a:ext>
+            </a:extLst>
+          </p:cNvPr>
+          <p:cNvSpPr/>
+          <p:nvPr/>
+        </p:nvSpPr>
+        <p:spPr>
+          <a:xfrm>
+            <a:off x="2350008" y="2487168"/>
+            <a:ext cx="2002536" cy="749808"/>
+          </a:xfrm>
+          <a:prstGeom prst="roundRect">
+            <a:avLst/>
+          </a:prstGeom>
+        </p:spPr>
+        <p:style>
+          <a:lnRef idx="2">
+            <a:schemeClr val="accent1">
+              <a:shade val="15000"/>
+            </a:schemeClr>
+          </a:lnRef>
+          <a:fillRef idx="1">
+            <a:schemeClr val="accent1"/>
+          </a:fillRef>
+          <a:effectRef idx="0">
+            <a:schemeClr val="accent1"/>
+          </a:effectRef>
+          <a:fontRef idx="minor">
+            <a:schemeClr val="lt1"/>
+          </a:fontRef>
+        </p:style>
+        <p:txBody>
+          <a:bodyPr rtlCol="0" anchor="ctr"/>
+          <a:lstStyle/>
+          <a:p>
+            <a:pPr algn="ctr"/>
+            <a:r>
+              <a:rPr lang="en-US" dirty="0"/>
+              <a:t>Take , </a:t>
+            </a:r>
+            <a:r>
+              <a:rPr lang="en-US" dirty="0" err="1"/>
+              <a:t>takeLatest</a:t>
+            </a:r>
+            <a:r>
+              <a:rPr lang="en-US" dirty="0"/>
+              <a:t>, </a:t>
+            </a:r>
+            <a:r>
+              <a:rPr lang="en-US" dirty="0" err="1"/>
+              <a:t>takeAll</a:t>
+            </a:r>
+            <a:endParaRPr lang="en-US" dirty="0"/>
+          </a:p>
+        </p:txBody>
+      </p:sp>
+      <p:sp>
+        <p:nvSpPr>
+          <p:cNvPr id="4" name="TextBox 3">
+            <a:extLst>
+              <a:ext uri="{FF2B5EF4-FFF2-40B4-BE49-F238E27FC236}">
+                <a16:creationId xmlns:a16="http://schemas.microsoft.com/office/drawing/2014/main" id="{5D02BEB3-1D19-4409-E787-F23E11F5F124}"/>
+              </a:ext>
+            </a:extLst>
+          </p:cNvPr>
+          <p:cNvSpPr txBox="1"/>
+          <p:nvPr/>
+        </p:nvSpPr>
+        <p:spPr>
+          <a:xfrm>
+            <a:off x="5321808" y="2487168"/>
+            <a:ext cx="3831336" cy="369332"/>
+          </a:xfrm>
+          <a:prstGeom prst="rect">
+            <a:avLst/>
+          </a:prstGeom>
+          <a:noFill/>
+        </p:spPr>
+        <p:txBody>
+          <a:bodyPr wrap="square" rtlCol="0">
+            <a:spAutoFit/>
+          </a:bodyPr>
+          <a:lstStyle/>
+          <a:p>
+            <a:r>
+              <a:rPr lang="en-US" dirty="0"/>
+              <a:t>Operators to Listen various actions</a:t>
+            </a:r>
+          </a:p>
+        </p:txBody>
+      </p:sp>
+      <p:cxnSp>
+        <p:nvCxnSpPr>
+          <p:cNvPr id="6" name="Elbow Connector 5">
+            <a:extLst>
+              <a:ext uri="{FF2B5EF4-FFF2-40B4-BE49-F238E27FC236}">
+                <a16:creationId xmlns:a16="http://schemas.microsoft.com/office/drawing/2014/main" id="{3E4075E1-89A6-EC61-C96A-2C0AFF85964C}"/>
+              </a:ext>
+            </a:extLst>
+          </p:cNvPr>
+          <p:cNvCxnSpPr>
+            <a:stCxn id="3" idx="3"/>
+            <a:endCxn id="4" idx="1"/>
+          </p:cNvCxnSpPr>
+          <p:nvPr/>
+        </p:nvCxnSpPr>
+        <p:spPr>
+          <a:xfrm flipV="1">
+            <a:off x="4352544" y="2671834"/>
+            <a:ext cx="969264" cy="190238"/>
+          </a:xfrm>
+          <a:prstGeom prst="bentConnector3">
+            <a:avLst/>
+          </a:prstGeom>
+          <a:ln>
+            <a:tailEnd type="triangle"/>
+          </a:ln>
+        </p:spPr>
+        <p:style>
+          <a:lnRef idx="1">
+            <a:schemeClr val="accent1"/>
+          </a:lnRef>
+          <a:fillRef idx="0">
+            <a:schemeClr val="accent1"/>
+          </a:fillRef>
+          <a:effectRef idx="0">
+            <a:schemeClr val="accent1"/>
+          </a:effectRef>
+          <a:fontRef idx="minor">
+            <a:schemeClr val="tx1"/>
+          </a:fontRef>
+        </p:style>
+      </p:cxnSp>
+      <p:sp>
+        <p:nvSpPr>
+          <p:cNvPr id="7" name="Rounded Rectangle 6">
+            <a:extLst>
+              <a:ext uri="{FF2B5EF4-FFF2-40B4-BE49-F238E27FC236}">
+                <a16:creationId xmlns:a16="http://schemas.microsoft.com/office/drawing/2014/main" id="{0F5EFFDF-F7C1-02A1-55B6-B0287A3ACBB8}"/>
+              </a:ext>
+            </a:extLst>
+          </p:cNvPr>
+          <p:cNvSpPr/>
+          <p:nvPr/>
+        </p:nvSpPr>
+        <p:spPr>
+          <a:xfrm>
+            <a:off x="2331720" y="3621025"/>
+            <a:ext cx="2002536" cy="749808"/>
+          </a:xfrm>
+          <a:prstGeom prst="roundRect">
+            <a:avLst/>
+          </a:prstGeom>
+        </p:spPr>
+        <p:style>
+          <a:lnRef idx="2">
+            <a:schemeClr val="accent1">
+              <a:shade val="15000"/>
+            </a:schemeClr>
+          </a:lnRef>
+          <a:fillRef idx="1">
+            <a:schemeClr val="accent1"/>
+          </a:fillRef>
+          <a:effectRef idx="0">
+            <a:schemeClr val="accent1"/>
+          </a:effectRef>
+          <a:fontRef idx="minor">
+            <a:schemeClr val="lt1"/>
+          </a:fontRef>
+        </p:style>
+        <p:txBody>
+          <a:bodyPr rtlCol="0" anchor="ctr"/>
+          <a:lstStyle/>
+          <a:p>
+            <a:pPr algn="ctr"/>
+            <a:r>
+              <a:rPr lang="en-US" dirty="0"/>
+              <a:t>call</a:t>
+            </a:r>
+          </a:p>
+        </p:txBody>
+      </p:sp>
+      <p:sp>
+        <p:nvSpPr>
+          <p:cNvPr id="8" name="TextBox 7">
+            <a:extLst>
+              <a:ext uri="{FF2B5EF4-FFF2-40B4-BE49-F238E27FC236}">
+                <a16:creationId xmlns:a16="http://schemas.microsoft.com/office/drawing/2014/main" id="{4402CE02-85EB-8256-E667-C0833380FCF6}"/>
+              </a:ext>
+            </a:extLst>
+          </p:cNvPr>
+          <p:cNvSpPr txBox="1"/>
+          <p:nvPr/>
+        </p:nvSpPr>
+        <p:spPr>
+          <a:xfrm>
+            <a:off x="5321808" y="3811263"/>
+            <a:ext cx="3831336" cy="1200329"/>
+          </a:xfrm>
+          <a:prstGeom prst="rect">
+            <a:avLst/>
+          </a:prstGeom>
+          <a:noFill/>
+        </p:spPr>
+        <p:txBody>
+          <a:bodyPr wrap="square" rtlCol="0">
+            <a:spAutoFit/>
+          </a:bodyPr>
+          <a:lstStyle/>
+          <a:p>
+            <a:r>
+              <a:rPr lang="en-US" dirty="0"/>
+              <a:t>Operator to initiate Async Request and provide Subscription to it, using a Sequence. Once Async Call is completed its is ready with Result </a:t>
+            </a:r>
+          </a:p>
+        </p:txBody>
+      </p:sp>
+      <p:cxnSp>
+        <p:nvCxnSpPr>
+          <p:cNvPr id="10" name="Elbow Connector 9">
+            <a:extLst>
+              <a:ext uri="{FF2B5EF4-FFF2-40B4-BE49-F238E27FC236}">
+                <a16:creationId xmlns:a16="http://schemas.microsoft.com/office/drawing/2014/main" id="{4A05A6D2-0C73-E164-30AC-E386B4AAA495}"/>
+              </a:ext>
+            </a:extLst>
+          </p:cNvPr>
+          <p:cNvCxnSpPr>
+            <a:stCxn id="7" idx="3"/>
+            <a:endCxn id="8" idx="0"/>
+          </p:cNvCxnSpPr>
+          <p:nvPr/>
+        </p:nvCxnSpPr>
+        <p:spPr>
+          <a:xfrm flipV="1">
+            <a:off x="4334256" y="3811263"/>
+            <a:ext cx="2903220" cy="184666"/>
+          </a:xfrm>
+          <a:prstGeom prst="bentConnector4">
+            <a:avLst>
+              <a:gd name="adj1" fmla="val 17008"/>
+              <a:gd name="adj2" fmla="val 326808"/>
+            </a:avLst>
+          </a:prstGeom>
+          <a:ln>
+            <a:tailEnd type="triangle"/>
+          </a:ln>
+        </p:spPr>
+        <p:style>
+          <a:lnRef idx="1">
+            <a:schemeClr val="accent1"/>
+          </a:lnRef>
+          <a:fillRef idx="0">
+            <a:schemeClr val="accent1"/>
+          </a:fillRef>
+          <a:effectRef idx="0">
+            <a:schemeClr val="accent1"/>
+          </a:effectRef>
+          <a:fontRef idx="minor">
+            <a:schemeClr val="tx1"/>
+          </a:fontRef>
+        </p:style>
+      </p:cxnSp>
+      <p:sp>
+        <p:nvSpPr>
+          <p:cNvPr id="11" name="Rounded Rectangle 10">
+            <a:extLst>
+              <a:ext uri="{FF2B5EF4-FFF2-40B4-BE49-F238E27FC236}">
+                <a16:creationId xmlns:a16="http://schemas.microsoft.com/office/drawing/2014/main" id="{D17544A2-3510-F01D-D423-7C37A2FC187A}"/>
+              </a:ext>
+            </a:extLst>
+          </p:cNvPr>
+          <p:cNvSpPr/>
+          <p:nvPr/>
+        </p:nvSpPr>
+        <p:spPr>
+          <a:xfrm>
+            <a:off x="2331720" y="4945120"/>
+            <a:ext cx="2002536" cy="749808"/>
+          </a:xfrm>
+          <a:prstGeom prst="roundRect">
+            <a:avLst/>
+          </a:prstGeom>
+        </p:spPr>
+        <p:style>
+          <a:lnRef idx="2">
+            <a:schemeClr val="accent1">
+              <a:shade val="15000"/>
+            </a:schemeClr>
+          </a:lnRef>
+          <a:fillRef idx="1">
+            <a:schemeClr val="accent1"/>
+          </a:fillRef>
+          <a:effectRef idx="0">
+            <a:schemeClr val="accent1"/>
+          </a:effectRef>
+          <a:fontRef idx="minor">
+            <a:schemeClr val="lt1"/>
+          </a:fontRef>
+        </p:style>
+        <p:txBody>
+          <a:bodyPr rtlCol="0" anchor="ctr"/>
+          <a:lstStyle/>
+          <a:p>
+            <a:pPr algn="ctr"/>
+            <a:r>
+              <a:rPr lang="en-US" dirty="0"/>
+              <a:t>put</a:t>
+            </a:r>
+          </a:p>
+        </p:txBody>
+      </p:sp>
+      <p:sp>
+        <p:nvSpPr>
+          <p:cNvPr id="12" name="TextBox 11">
+            <a:extLst>
+              <a:ext uri="{FF2B5EF4-FFF2-40B4-BE49-F238E27FC236}">
+                <a16:creationId xmlns:a16="http://schemas.microsoft.com/office/drawing/2014/main" id="{851832A7-47A9-7F03-1C31-150F0805B9D2}"/>
+              </a:ext>
+            </a:extLst>
+          </p:cNvPr>
+          <p:cNvSpPr txBox="1"/>
+          <p:nvPr/>
+        </p:nvSpPr>
+        <p:spPr>
+          <a:xfrm>
+            <a:off x="4837176" y="5157216"/>
+            <a:ext cx="3730752" cy="646331"/>
+          </a:xfrm>
+          <a:prstGeom prst="rect">
+            <a:avLst/>
+          </a:prstGeom>
+          <a:noFill/>
+        </p:spPr>
+        <p:txBody>
+          <a:bodyPr wrap="square" rtlCol="0">
+            <a:spAutoFit/>
+          </a:bodyPr>
+          <a:lstStyle/>
+          <a:p>
+            <a:r>
+              <a:rPr lang="en-US" dirty="0"/>
+              <a:t>Operator Responsible to dispatch an output to the initiator of the Action </a:t>
+            </a:r>
+          </a:p>
+        </p:txBody>
+      </p:sp>
+      <p:cxnSp>
+        <p:nvCxnSpPr>
+          <p:cNvPr id="14" name="Elbow Connector 13">
+            <a:extLst>
+              <a:ext uri="{FF2B5EF4-FFF2-40B4-BE49-F238E27FC236}">
+                <a16:creationId xmlns:a16="http://schemas.microsoft.com/office/drawing/2014/main" id="{B29556B2-3AB0-8514-FE6E-857C6F48CD97}"/>
+              </a:ext>
+            </a:extLst>
+          </p:cNvPr>
+          <p:cNvCxnSpPr>
+            <a:stCxn id="11" idx="3"/>
+            <a:endCxn id="12" idx="1"/>
+          </p:cNvCxnSpPr>
+          <p:nvPr/>
+        </p:nvCxnSpPr>
+        <p:spPr>
+          <a:xfrm>
+            <a:off x="4334256" y="5320024"/>
+            <a:ext cx="502920" cy="160358"/>
+          </a:xfrm>
+          <a:prstGeom prst="bentConnector3">
+            <a:avLst/>
+          </a:prstGeom>
+          <a:ln>
+            <a:tailEnd type="triangle"/>
+          </a:ln>
+        </p:spPr>
+        <p:style>
+          <a:lnRef idx="1">
+            <a:schemeClr val="accent1"/>
+          </a:lnRef>
+          <a:fillRef idx="0">
+            <a:schemeClr val="accent1"/>
+          </a:fillRef>
+          <a:effectRef idx="0">
+            <a:schemeClr val="accent1"/>
+          </a:effectRef>
+          <a:fontRef idx="minor">
+            <a:schemeClr val="tx1"/>
+          </a:fontRef>
+        </p:style>
+      </p:cxnSp>
+      <p:sp>
+        <p:nvSpPr>
+          <p:cNvPr id="15" name="Rounded Rectangle 14">
+            <a:extLst>
+              <a:ext uri="{FF2B5EF4-FFF2-40B4-BE49-F238E27FC236}">
+                <a16:creationId xmlns:a16="http://schemas.microsoft.com/office/drawing/2014/main" id="{472CE40D-3111-B6A0-9A07-3FDE9FCCF216}"/>
+              </a:ext>
+            </a:extLst>
+          </p:cNvPr>
+          <p:cNvSpPr/>
+          <p:nvPr/>
+        </p:nvSpPr>
+        <p:spPr>
+          <a:xfrm>
+            <a:off x="2304288" y="5894311"/>
+            <a:ext cx="2002536" cy="749808"/>
+          </a:xfrm>
+          <a:prstGeom prst="roundRect">
+            <a:avLst/>
+          </a:prstGeom>
+        </p:spPr>
+        <p:style>
+          <a:lnRef idx="2">
+            <a:schemeClr val="accent1">
+              <a:shade val="15000"/>
+            </a:schemeClr>
+          </a:lnRef>
+          <a:fillRef idx="1">
+            <a:schemeClr val="accent1"/>
+          </a:fillRef>
+          <a:effectRef idx="0">
+            <a:schemeClr val="accent1"/>
+          </a:effectRef>
+          <a:fontRef idx="minor">
+            <a:schemeClr val="lt1"/>
+          </a:fontRef>
+        </p:style>
+        <p:txBody>
+          <a:bodyPr rtlCol="0" anchor="ctr"/>
+          <a:lstStyle/>
+          <a:p>
+            <a:pPr algn="ctr"/>
+            <a:r>
+              <a:rPr lang="en-US" dirty="0"/>
+              <a:t>all</a:t>
+            </a:r>
+          </a:p>
+        </p:txBody>
+      </p:sp>
+      <p:sp>
+        <p:nvSpPr>
+          <p:cNvPr id="16" name="TextBox 15">
+            <a:extLst>
+              <a:ext uri="{FF2B5EF4-FFF2-40B4-BE49-F238E27FC236}">
+                <a16:creationId xmlns:a16="http://schemas.microsoft.com/office/drawing/2014/main" id="{F0B346FB-1B15-EAF7-A70E-EA621C16CC93}"/>
+              </a:ext>
+            </a:extLst>
+          </p:cNvPr>
+          <p:cNvSpPr txBox="1"/>
+          <p:nvPr/>
+        </p:nvSpPr>
+        <p:spPr>
+          <a:xfrm>
+            <a:off x="4837176" y="5952744"/>
+            <a:ext cx="4544568" cy="923330"/>
+          </a:xfrm>
+          <a:prstGeom prst="rect">
+            <a:avLst/>
+          </a:prstGeom>
+          <a:noFill/>
+        </p:spPr>
+        <p:txBody>
+          <a:bodyPr wrap="square" rtlCol="0">
+            <a:spAutoFit/>
+          </a:bodyPr>
+          <a:lstStyle/>
+          <a:p>
+            <a:r>
+              <a:rPr lang="en-US" dirty="0"/>
+              <a:t>Operator to Initiate all Middleware methods at global level so that all input actions can be monitored </a:t>
+            </a:r>
+          </a:p>
+        </p:txBody>
+      </p:sp>
+      <p:cxnSp>
+        <p:nvCxnSpPr>
+          <p:cNvPr id="18" name="Elbow Connector 17">
+            <a:extLst>
+              <a:ext uri="{FF2B5EF4-FFF2-40B4-BE49-F238E27FC236}">
+                <a16:creationId xmlns:a16="http://schemas.microsoft.com/office/drawing/2014/main" id="{355348B3-4254-586B-B6F6-24866D134FEB}"/>
+              </a:ext>
+            </a:extLst>
+          </p:cNvPr>
+          <p:cNvCxnSpPr>
+            <a:stCxn id="15" idx="3"/>
+            <a:endCxn id="16" idx="1"/>
+          </p:cNvCxnSpPr>
+          <p:nvPr/>
+        </p:nvCxnSpPr>
+        <p:spPr>
+          <a:xfrm>
+            <a:off x="4306824" y="6269215"/>
+            <a:ext cx="530352" cy="145194"/>
+          </a:xfrm>
+          <a:prstGeom prst="bentConnector3">
+            <a:avLst/>
+          </a:prstGeom>
+          <a:ln>
+            <a:tailEnd type="triangle"/>
+          </a:ln>
+        </p:spPr>
+        <p:style>
+          <a:lnRef idx="1">
+            <a:schemeClr val="accent1"/>
+          </a:lnRef>
+          <a:fillRef idx="0">
+            <a:schemeClr val="accent1"/>
+          </a:fillRef>
+          <a:effectRef idx="0">
+            <a:schemeClr val="accent1"/>
+          </a:effectRef>
+          <a:fontRef idx="minor">
+            <a:schemeClr val="tx1"/>
+          </a:fontRef>
+        </p:style>
+      </p:cxnSp>
+      <p:sp>
+        <p:nvSpPr>
+          <p:cNvPr id="19" name="Rectangle 18">
+            <a:extLst>
+              <a:ext uri="{FF2B5EF4-FFF2-40B4-BE49-F238E27FC236}">
+                <a16:creationId xmlns:a16="http://schemas.microsoft.com/office/drawing/2014/main" id="{F2B1C4E5-5536-3D5B-D3E6-9C1F1987AD51}"/>
+              </a:ext>
+            </a:extLst>
+          </p:cNvPr>
+          <p:cNvSpPr/>
+          <p:nvPr/>
+        </p:nvSpPr>
+        <p:spPr>
+          <a:xfrm>
+            <a:off x="192024" y="213881"/>
+            <a:ext cx="1773936" cy="590791"/>
+          </a:xfrm>
+          <a:prstGeom prst="rect">
+            <a:avLst/>
+          </a:prstGeom>
+        </p:spPr>
+        <p:style>
+          <a:lnRef idx="2">
+            <a:schemeClr val="accent1">
+              <a:shade val="15000"/>
+            </a:schemeClr>
+          </a:lnRef>
+          <a:fillRef idx="1">
+            <a:schemeClr val="accent1"/>
+          </a:fillRef>
+          <a:effectRef idx="0">
+            <a:schemeClr val="accent1"/>
+          </a:effectRef>
+          <a:fontRef idx="minor">
+            <a:schemeClr val="lt1"/>
+          </a:fontRef>
+        </p:style>
+        <p:txBody>
+          <a:bodyPr rtlCol="0" anchor="ctr"/>
+          <a:lstStyle/>
+          <a:p>
+            <a:pPr algn="ctr"/>
+            <a:r>
+              <a:rPr lang="en-US" dirty="0"/>
+              <a:t>Thunk</a:t>
+            </a:r>
+          </a:p>
+        </p:txBody>
+      </p:sp>
+      <p:sp>
+        <p:nvSpPr>
+          <p:cNvPr id="20" name="Rectangle 19">
+            <a:extLst>
+              <a:ext uri="{FF2B5EF4-FFF2-40B4-BE49-F238E27FC236}">
+                <a16:creationId xmlns:a16="http://schemas.microsoft.com/office/drawing/2014/main" id="{A5FCAF83-D8D6-35B4-E0A9-141E706D6FDD}"/>
+              </a:ext>
+            </a:extLst>
+          </p:cNvPr>
+          <p:cNvSpPr/>
+          <p:nvPr/>
+        </p:nvSpPr>
+        <p:spPr>
+          <a:xfrm>
+            <a:off x="192024" y="1170953"/>
+            <a:ext cx="1773936" cy="590791"/>
+          </a:xfrm>
+          <a:prstGeom prst="rect">
+            <a:avLst/>
+          </a:prstGeom>
+        </p:spPr>
+        <p:style>
+          <a:lnRef idx="2">
+            <a:schemeClr val="accent1">
+              <a:shade val="15000"/>
+            </a:schemeClr>
+          </a:lnRef>
+          <a:fillRef idx="1">
+            <a:schemeClr val="accent1"/>
+          </a:fillRef>
+          <a:effectRef idx="0">
+            <a:schemeClr val="accent1"/>
+          </a:effectRef>
+          <a:fontRef idx="minor">
+            <a:schemeClr val="lt1"/>
+          </a:fontRef>
+        </p:style>
+        <p:txBody>
+          <a:bodyPr rtlCol="0" anchor="ctr"/>
+          <a:lstStyle/>
+          <a:p>
+            <a:pPr algn="ctr"/>
+            <a:r>
+              <a:rPr lang="en-US" dirty="0"/>
+              <a:t>Sagas</a:t>
+            </a:r>
+          </a:p>
+        </p:txBody>
+      </p:sp>
+    </p:spTree>
+    <p:extLst>
+      <p:ext uri="{BB962C8B-B14F-4D97-AF65-F5344CB8AC3E}">
+        <p14:creationId xmlns:p14="http://schemas.microsoft.com/office/powerpoint/2010/main" val="12324500"/>
+      </p:ext>
+    </p:extLst>
+  </p:cSld>
+  <p:clrMapOvr>
+    <a:masterClrMapping/>
+  </p:clrMapOvr>
+</p:sld>
+</file>
+
 <file path=ppt/slides/slide2.xml><?xml version="1.0" encoding="utf-8"?>
 <p:sld xmlns:a="http://schemas.openxmlformats.org/drawingml/2006/main" xmlns:r="http://schemas.openxmlformats.org/officeDocument/2006/relationships" xmlns:p="http://schemas.openxmlformats.org/presentationml/2006/main">
   <p:cSld>
@@ -8267,6 +10358,625 @@
     <p:extLst>
       <p:ext uri="{BB962C8B-B14F-4D97-AF65-F5344CB8AC3E}">
         <p14:creationId xmlns:p14="http://schemas.microsoft.com/office/powerpoint/2010/main" val="1369472183"/>
+      </p:ext>
+    </p:extLst>
+  </p:cSld>
+  <p:clrMapOvr>
+    <a:masterClrMapping/>
+  </p:clrMapOvr>
+</p:sld>
+</file>
+
+<file path=ppt/slides/slide8.xml><?xml version="1.0" encoding="utf-8"?>
+<p:sld xmlns:a="http://schemas.openxmlformats.org/drawingml/2006/main" xmlns:r="http://schemas.openxmlformats.org/officeDocument/2006/relationships" xmlns:p="http://schemas.openxmlformats.org/presentationml/2006/main">
+  <p:cSld>
+    <p:spTree>
+      <p:nvGrpSpPr>
+        <p:cNvPr id="1" name=""/>
+        <p:cNvGrpSpPr/>
+        <p:nvPr/>
+      </p:nvGrpSpPr>
+      <p:grpSpPr>
+        <a:xfrm>
+          <a:off x="0" y="0"/>
+          <a:ext cx="0" cy="0"/>
+          <a:chOff x="0" y="0"/>
+          <a:chExt cx="0" cy="0"/>
+        </a:xfrm>
+      </p:grpSpPr>
+      <p:sp>
+        <p:nvSpPr>
+          <p:cNvPr id="2" name="Rectangle 1">
+            <a:extLst>
+              <a:ext uri="{FF2B5EF4-FFF2-40B4-BE49-F238E27FC236}">
+                <a16:creationId xmlns:a16="http://schemas.microsoft.com/office/drawing/2014/main" id="{4D2F5BED-39C2-591A-05E3-37A64B88E069}"/>
+              </a:ext>
+            </a:extLst>
+          </p:cNvPr>
+          <p:cNvSpPr/>
+          <p:nvPr/>
+        </p:nvSpPr>
+        <p:spPr>
+          <a:xfrm>
+            <a:off x="5614416" y="1298448"/>
+            <a:ext cx="2404872" cy="2386584"/>
+          </a:xfrm>
+          <a:prstGeom prst="rect">
+            <a:avLst/>
+          </a:prstGeom>
+        </p:spPr>
+        <p:style>
+          <a:lnRef idx="2">
+            <a:schemeClr val="accent1">
+              <a:shade val="15000"/>
+            </a:schemeClr>
+          </a:lnRef>
+          <a:fillRef idx="1">
+            <a:schemeClr val="accent1"/>
+          </a:fillRef>
+          <a:effectRef idx="0">
+            <a:schemeClr val="accent1"/>
+          </a:effectRef>
+          <a:fontRef idx="minor">
+            <a:schemeClr val="lt1"/>
+          </a:fontRef>
+        </p:style>
+        <p:txBody>
+          <a:bodyPr rtlCol="0" anchor="ctr"/>
+          <a:lstStyle/>
+          <a:p>
+            <a:pPr algn="ctr"/>
+            <a:r>
+              <a:rPr lang="en-US" dirty="0"/>
+              <a:t>HTTP Service</a:t>
+            </a:r>
+          </a:p>
+          <a:p>
+            <a:pPr algn="ctr"/>
+            <a:r>
+              <a:rPr lang="en-US" dirty="0"/>
+              <a:t>Async Calls</a:t>
+            </a:r>
+          </a:p>
+          <a:p>
+            <a:pPr algn="ctr"/>
+            <a:r>
+              <a:rPr lang="en-US" dirty="0"/>
+              <a:t>Returning Promise()</a:t>
+            </a:r>
+          </a:p>
+        </p:txBody>
+      </p:sp>
+      <p:sp>
+        <p:nvSpPr>
+          <p:cNvPr id="3" name="Rounded Rectangle 2">
+            <a:extLst>
+              <a:ext uri="{FF2B5EF4-FFF2-40B4-BE49-F238E27FC236}">
+                <a16:creationId xmlns:a16="http://schemas.microsoft.com/office/drawing/2014/main" id="{C5C557E7-89C8-E968-4BC8-F6C139136141}"/>
+              </a:ext>
+            </a:extLst>
+          </p:cNvPr>
+          <p:cNvSpPr/>
+          <p:nvPr/>
+        </p:nvSpPr>
+        <p:spPr>
+          <a:xfrm>
+            <a:off x="9912096" y="2569464"/>
+            <a:ext cx="1947672" cy="1481328"/>
+          </a:xfrm>
+          <a:prstGeom prst="roundRect">
+            <a:avLst/>
+          </a:prstGeom>
+        </p:spPr>
+        <p:style>
+          <a:lnRef idx="2">
+            <a:schemeClr val="accent1">
+              <a:shade val="15000"/>
+            </a:schemeClr>
+          </a:lnRef>
+          <a:fillRef idx="1">
+            <a:schemeClr val="accent1"/>
+          </a:fillRef>
+          <a:effectRef idx="0">
+            <a:schemeClr val="accent1"/>
+          </a:effectRef>
+          <a:fontRef idx="minor">
+            <a:schemeClr val="lt1"/>
+          </a:fontRef>
+        </p:style>
+        <p:txBody>
+          <a:bodyPr rtlCol="0" anchor="ctr"/>
+          <a:lstStyle/>
+          <a:p>
+            <a:pPr algn="ctr"/>
+            <a:r>
+              <a:rPr lang="en-US" dirty="0"/>
+              <a:t>Actual REST API</a:t>
+            </a:r>
+          </a:p>
+        </p:txBody>
+      </p:sp>
+      <p:cxnSp>
+        <p:nvCxnSpPr>
+          <p:cNvPr id="5" name="Elbow Connector 4">
+            <a:extLst>
+              <a:ext uri="{FF2B5EF4-FFF2-40B4-BE49-F238E27FC236}">
+                <a16:creationId xmlns:a16="http://schemas.microsoft.com/office/drawing/2014/main" id="{94361602-DAC0-313D-70B7-84E49BE53615}"/>
+              </a:ext>
+            </a:extLst>
+          </p:cNvPr>
+          <p:cNvCxnSpPr>
+            <a:cxnSpLocks/>
+            <a:stCxn id="2" idx="0"/>
+            <a:endCxn id="3" idx="0"/>
+          </p:cNvCxnSpPr>
+          <p:nvPr/>
+        </p:nvCxnSpPr>
+        <p:spPr>
+          <a:xfrm rot="16200000" flipH="1">
+            <a:off x="8215884" y="-100584"/>
+            <a:ext cx="1271016" cy="4069080"/>
+          </a:xfrm>
+          <a:prstGeom prst="bentConnector3">
+            <a:avLst>
+              <a:gd name="adj1" fmla="val -17986"/>
+            </a:avLst>
+          </a:prstGeom>
+          <a:ln>
+            <a:tailEnd type="triangle"/>
+          </a:ln>
+        </p:spPr>
+        <p:style>
+          <a:lnRef idx="1">
+            <a:schemeClr val="accent1"/>
+          </a:lnRef>
+          <a:fillRef idx="0">
+            <a:schemeClr val="accent1"/>
+          </a:fillRef>
+          <a:effectRef idx="0">
+            <a:schemeClr val="accent1"/>
+          </a:effectRef>
+          <a:fontRef idx="minor">
+            <a:schemeClr val="tx1"/>
+          </a:fontRef>
+        </p:style>
+      </p:cxnSp>
+      <p:cxnSp>
+        <p:nvCxnSpPr>
+          <p:cNvPr id="8" name="Elbow Connector 7">
+            <a:extLst>
+              <a:ext uri="{FF2B5EF4-FFF2-40B4-BE49-F238E27FC236}">
+                <a16:creationId xmlns:a16="http://schemas.microsoft.com/office/drawing/2014/main" id="{37FEEEF7-C3FF-F62B-1D92-AE3F387FBE05}"/>
+              </a:ext>
+            </a:extLst>
+          </p:cNvPr>
+          <p:cNvCxnSpPr>
+            <a:stCxn id="3" idx="1"/>
+            <a:endCxn id="2" idx="3"/>
+          </p:cNvCxnSpPr>
+          <p:nvPr/>
+        </p:nvCxnSpPr>
+        <p:spPr>
+          <a:xfrm rot="10800000">
+            <a:off x="8019288" y="2491740"/>
+            <a:ext cx="1892808" cy="818388"/>
+          </a:xfrm>
+          <a:prstGeom prst="bentConnector3">
+            <a:avLst/>
+          </a:prstGeom>
+          <a:ln>
+            <a:tailEnd type="triangle"/>
+          </a:ln>
+        </p:spPr>
+        <p:style>
+          <a:lnRef idx="1">
+            <a:schemeClr val="accent1"/>
+          </a:lnRef>
+          <a:fillRef idx="0">
+            <a:schemeClr val="accent1"/>
+          </a:fillRef>
+          <a:effectRef idx="0">
+            <a:schemeClr val="accent1"/>
+          </a:effectRef>
+          <a:fontRef idx="minor">
+            <a:schemeClr val="tx1"/>
+          </a:fontRef>
+        </p:style>
+      </p:cxnSp>
+      <p:sp>
+        <p:nvSpPr>
+          <p:cNvPr id="9" name="Rectangle 8">
+            <a:extLst>
+              <a:ext uri="{FF2B5EF4-FFF2-40B4-BE49-F238E27FC236}">
+                <a16:creationId xmlns:a16="http://schemas.microsoft.com/office/drawing/2014/main" id="{0F20F6C1-6D7B-CD8C-56A1-AA3E1739CB92}"/>
+              </a:ext>
+            </a:extLst>
+          </p:cNvPr>
+          <p:cNvSpPr/>
+          <p:nvPr/>
+        </p:nvSpPr>
+        <p:spPr>
+          <a:xfrm>
+            <a:off x="228600" y="3310128"/>
+            <a:ext cx="1408176" cy="1938528"/>
+          </a:xfrm>
+          <a:prstGeom prst="rect">
+            <a:avLst/>
+          </a:prstGeom>
+        </p:spPr>
+        <p:style>
+          <a:lnRef idx="2">
+            <a:schemeClr val="accent1">
+              <a:shade val="15000"/>
+            </a:schemeClr>
+          </a:lnRef>
+          <a:fillRef idx="1">
+            <a:schemeClr val="accent1"/>
+          </a:fillRef>
+          <a:effectRef idx="0">
+            <a:schemeClr val="accent1"/>
+          </a:effectRef>
+          <a:fontRef idx="minor">
+            <a:schemeClr val="lt1"/>
+          </a:fontRef>
+        </p:style>
+        <p:txBody>
+          <a:bodyPr rtlCol="0" anchor="ctr"/>
+          <a:lstStyle/>
+          <a:p>
+            <a:pPr algn="ctr"/>
+            <a:r>
+              <a:rPr lang="en-US" dirty="0"/>
+              <a:t>Component 1</a:t>
+            </a:r>
+          </a:p>
+        </p:txBody>
+      </p:sp>
+      <p:cxnSp>
+        <p:nvCxnSpPr>
+          <p:cNvPr id="11" name="Elbow Connector 10">
+            <a:extLst>
+              <a:ext uri="{FF2B5EF4-FFF2-40B4-BE49-F238E27FC236}">
+                <a16:creationId xmlns:a16="http://schemas.microsoft.com/office/drawing/2014/main" id="{C8ABB548-5136-4954-D816-EEF539BD86D2}"/>
+              </a:ext>
+            </a:extLst>
+          </p:cNvPr>
+          <p:cNvCxnSpPr>
+            <a:stCxn id="9" idx="0"/>
+            <a:endCxn id="2" idx="1"/>
+          </p:cNvCxnSpPr>
+          <p:nvPr/>
+        </p:nvCxnSpPr>
+        <p:spPr>
+          <a:xfrm rot="5400000" flipH="1" flipV="1">
+            <a:off x="2864358" y="560070"/>
+            <a:ext cx="818388" cy="4681728"/>
+          </a:xfrm>
+          <a:prstGeom prst="bentConnector2">
+            <a:avLst/>
+          </a:prstGeom>
+          <a:ln>
+            <a:tailEnd type="triangle"/>
+          </a:ln>
+        </p:spPr>
+        <p:style>
+          <a:lnRef idx="1">
+            <a:schemeClr val="accent1"/>
+          </a:lnRef>
+          <a:fillRef idx="0">
+            <a:schemeClr val="accent1"/>
+          </a:fillRef>
+          <a:effectRef idx="0">
+            <a:schemeClr val="accent1"/>
+          </a:effectRef>
+          <a:fontRef idx="minor">
+            <a:schemeClr val="tx1"/>
+          </a:fontRef>
+        </p:style>
+      </p:cxnSp>
+      <p:sp>
+        <p:nvSpPr>
+          <p:cNvPr id="12" name="TextBox 11">
+            <a:extLst>
+              <a:ext uri="{FF2B5EF4-FFF2-40B4-BE49-F238E27FC236}">
+                <a16:creationId xmlns:a16="http://schemas.microsoft.com/office/drawing/2014/main" id="{EB828404-DF0B-C90D-0608-56A8A256E9E6}"/>
+              </a:ext>
+            </a:extLst>
+          </p:cNvPr>
+          <p:cNvSpPr txBox="1"/>
+          <p:nvPr/>
+        </p:nvSpPr>
+        <p:spPr>
+          <a:xfrm>
+            <a:off x="1737360" y="1828800"/>
+            <a:ext cx="2478024" cy="369332"/>
+          </a:xfrm>
+          <a:prstGeom prst="rect">
+            <a:avLst/>
+          </a:prstGeom>
+          <a:noFill/>
+        </p:spPr>
+        <p:txBody>
+          <a:bodyPr wrap="square" rtlCol="0">
+            <a:spAutoFit/>
+          </a:bodyPr>
+          <a:lstStyle/>
+          <a:p>
+            <a:r>
+              <a:rPr lang="en-US" dirty="0"/>
+              <a:t>Dispatching Action</a:t>
+            </a:r>
+          </a:p>
+        </p:txBody>
+      </p:sp>
+      <p:cxnSp>
+        <p:nvCxnSpPr>
+          <p:cNvPr id="14" name="Elbow Connector 13">
+            <a:extLst>
+              <a:ext uri="{FF2B5EF4-FFF2-40B4-BE49-F238E27FC236}">
+                <a16:creationId xmlns:a16="http://schemas.microsoft.com/office/drawing/2014/main" id="{25073686-27EF-2CBD-9DD0-E5BCDB73F4FB}"/>
+              </a:ext>
+            </a:extLst>
+          </p:cNvPr>
+          <p:cNvCxnSpPr>
+            <a:stCxn id="2" idx="2"/>
+          </p:cNvCxnSpPr>
+          <p:nvPr/>
+        </p:nvCxnSpPr>
+        <p:spPr>
+          <a:xfrm rot="5400000">
+            <a:off x="5410962" y="2873502"/>
+            <a:ext cx="594360" cy="2217420"/>
+          </a:xfrm>
+          <a:prstGeom prst="bentConnector2">
+            <a:avLst/>
+          </a:prstGeom>
+          <a:ln>
+            <a:tailEnd type="triangle"/>
+          </a:ln>
+        </p:spPr>
+        <p:style>
+          <a:lnRef idx="1">
+            <a:schemeClr val="accent1"/>
+          </a:lnRef>
+          <a:fillRef idx="0">
+            <a:schemeClr val="accent1"/>
+          </a:fillRef>
+          <a:effectRef idx="0">
+            <a:schemeClr val="accent1"/>
+          </a:effectRef>
+          <a:fontRef idx="minor">
+            <a:schemeClr val="tx1"/>
+          </a:fontRef>
+        </p:style>
+      </p:cxnSp>
+      <p:sp>
+        <p:nvSpPr>
+          <p:cNvPr id="15" name="Rectangle 14">
+            <a:extLst>
+              <a:ext uri="{FF2B5EF4-FFF2-40B4-BE49-F238E27FC236}">
+                <a16:creationId xmlns:a16="http://schemas.microsoft.com/office/drawing/2014/main" id="{502945BB-702D-C045-46A9-316CF2DCDF9D}"/>
+              </a:ext>
+            </a:extLst>
+          </p:cNvPr>
+          <p:cNvSpPr/>
+          <p:nvPr/>
+        </p:nvSpPr>
+        <p:spPr>
+          <a:xfrm>
+            <a:off x="2976372" y="3945636"/>
+            <a:ext cx="1595628" cy="699516"/>
+          </a:xfrm>
+          <a:prstGeom prst="rect">
+            <a:avLst/>
+          </a:prstGeom>
+        </p:spPr>
+        <p:style>
+          <a:lnRef idx="2">
+            <a:schemeClr val="accent1">
+              <a:shade val="15000"/>
+            </a:schemeClr>
+          </a:lnRef>
+          <a:fillRef idx="1">
+            <a:schemeClr val="accent1"/>
+          </a:fillRef>
+          <a:effectRef idx="0">
+            <a:schemeClr val="accent1"/>
+          </a:effectRef>
+          <a:fontRef idx="minor">
+            <a:schemeClr val="lt1"/>
+          </a:fontRef>
+        </p:style>
+        <p:txBody>
+          <a:bodyPr rtlCol="0" anchor="ctr"/>
+          <a:lstStyle/>
+          <a:p>
+            <a:pPr algn="ctr"/>
+            <a:r>
+              <a:rPr lang="en-US" dirty="0"/>
+              <a:t>Promise</a:t>
+            </a:r>
+          </a:p>
+        </p:txBody>
+      </p:sp>
+      <p:sp>
+        <p:nvSpPr>
+          <p:cNvPr id="16" name="&quot;No&quot; Symbol 15">
+            <a:extLst>
+              <a:ext uri="{FF2B5EF4-FFF2-40B4-BE49-F238E27FC236}">
+                <a16:creationId xmlns:a16="http://schemas.microsoft.com/office/drawing/2014/main" id="{8C3F3038-FE04-AC61-583B-563BD366309B}"/>
+              </a:ext>
+            </a:extLst>
+          </p:cNvPr>
+          <p:cNvSpPr/>
+          <p:nvPr/>
+        </p:nvSpPr>
+        <p:spPr>
+          <a:xfrm>
+            <a:off x="1149858" y="4272534"/>
+            <a:ext cx="1088136" cy="745235"/>
+          </a:xfrm>
+          <a:prstGeom prst="noSmoking">
+            <a:avLst/>
+          </a:prstGeom>
+          <a:solidFill>
+            <a:srgbClr val="C00000"/>
+          </a:solidFill>
+        </p:spPr>
+        <p:style>
+          <a:lnRef idx="2">
+            <a:schemeClr val="accent1">
+              <a:shade val="15000"/>
+            </a:schemeClr>
+          </a:lnRef>
+          <a:fillRef idx="1">
+            <a:schemeClr val="accent1"/>
+          </a:fillRef>
+          <a:effectRef idx="0">
+            <a:schemeClr val="accent1"/>
+          </a:effectRef>
+          <a:fontRef idx="minor">
+            <a:schemeClr val="lt1"/>
+          </a:fontRef>
+        </p:style>
+        <p:txBody>
+          <a:bodyPr rtlCol="0" anchor="ctr"/>
+          <a:lstStyle/>
+          <a:p>
+            <a:pPr algn="ctr"/>
+            <a:endParaRPr lang="en-US">
+              <a:solidFill>
+                <a:schemeClr val="tx1"/>
+              </a:solidFill>
+            </a:endParaRPr>
+          </a:p>
+        </p:txBody>
+      </p:sp>
+      <p:sp>
+        <p:nvSpPr>
+          <p:cNvPr id="17" name="Rectangle 16">
+            <a:extLst>
+              <a:ext uri="{FF2B5EF4-FFF2-40B4-BE49-F238E27FC236}">
+                <a16:creationId xmlns:a16="http://schemas.microsoft.com/office/drawing/2014/main" id="{950F85DD-37E0-5F8F-521B-FD4D54D56DB0}"/>
+              </a:ext>
+            </a:extLst>
+          </p:cNvPr>
+          <p:cNvSpPr/>
+          <p:nvPr/>
+        </p:nvSpPr>
+        <p:spPr>
+          <a:xfrm>
+            <a:off x="2203704" y="5541264"/>
+            <a:ext cx="1570482" cy="1060704"/>
+          </a:xfrm>
+          <a:prstGeom prst="rect">
+            <a:avLst/>
+          </a:prstGeom>
+        </p:spPr>
+        <p:style>
+          <a:lnRef idx="2">
+            <a:schemeClr val="accent1">
+              <a:shade val="15000"/>
+            </a:schemeClr>
+          </a:lnRef>
+          <a:fillRef idx="1">
+            <a:schemeClr val="accent1"/>
+          </a:fillRef>
+          <a:effectRef idx="0">
+            <a:schemeClr val="accent1"/>
+          </a:effectRef>
+          <a:fontRef idx="minor">
+            <a:schemeClr val="lt1"/>
+          </a:fontRef>
+        </p:style>
+        <p:txBody>
+          <a:bodyPr rtlCol="0" anchor="ctr"/>
+          <a:lstStyle/>
+          <a:p>
+            <a:pPr algn="ctr"/>
+            <a:r>
+              <a:rPr lang="en-US" dirty="0"/>
+              <a:t>Component 2</a:t>
+            </a:r>
+          </a:p>
+        </p:txBody>
+      </p:sp>
+      <p:cxnSp>
+        <p:nvCxnSpPr>
+          <p:cNvPr id="19" name="Elbow Connector 18">
+            <a:extLst>
+              <a:ext uri="{FF2B5EF4-FFF2-40B4-BE49-F238E27FC236}">
+                <a16:creationId xmlns:a16="http://schemas.microsoft.com/office/drawing/2014/main" id="{D9C317B4-F6C9-A793-638D-891068E57060}"/>
+              </a:ext>
+            </a:extLst>
+          </p:cNvPr>
+          <p:cNvCxnSpPr>
+            <a:stCxn id="9" idx="2"/>
+            <a:endCxn id="17" idx="1"/>
+          </p:cNvCxnSpPr>
+          <p:nvPr/>
+        </p:nvCxnSpPr>
+        <p:spPr>
+          <a:xfrm rot="16200000" flipH="1">
+            <a:off x="1156716" y="5024628"/>
+            <a:ext cx="822960" cy="1271016"/>
+          </a:xfrm>
+          <a:prstGeom prst="bentConnector2">
+            <a:avLst/>
+          </a:prstGeom>
+          <a:ln>
+            <a:tailEnd type="triangle"/>
+          </a:ln>
+        </p:spPr>
+        <p:style>
+          <a:lnRef idx="1">
+            <a:schemeClr val="accent1"/>
+          </a:lnRef>
+          <a:fillRef idx="0">
+            <a:schemeClr val="accent1"/>
+          </a:fillRef>
+          <a:effectRef idx="0">
+            <a:schemeClr val="accent1"/>
+          </a:effectRef>
+          <a:fontRef idx="minor">
+            <a:schemeClr val="tx1"/>
+          </a:fontRef>
+        </p:style>
+      </p:cxnSp>
+    </p:spTree>
+    <p:extLst>
+      <p:ext uri="{BB962C8B-B14F-4D97-AF65-F5344CB8AC3E}">
+        <p14:creationId xmlns:p14="http://schemas.microsoft.com/office/powerpoint/2010/main" val="722414209"/>
+      </p:ext>
+    </p:extLst>
+  </p:cSld>
+  <p:clrMapOvr>
+    <a:masterClrMapping/>
+  </p:clrMapOvr>
+</p:sld>
+</file>
+
+<file path=ppt/slides/slide9.xml><?xml version="1.0" encoding="utf-8"?>
+<p:sld xmlns:a="http://schemas.openxmlformats.org/drawingml/2006/main" xmlns:r="http://schemas.openxmlformats.org/officeDocument/2006/relationships" xmlns:p="http://schemas.openxmlformats.org/presentationml/2006/main">
+  <p:cSld>
+    <p:spTree>
+      <p:nvGrpSpPr>
+        <p:cNvPr id="1" name=""/>
+        <p:cNvGrpSpPr/>
+        <p:nvPr/>
+      </p:nvGrpSpPr>
+      <p:grpSpPr>
+        <a:xfrm>
+          <a:off x="0" y="0"/>
+          <a:ext cx="0" cy="0"/>
+          <a:chOff x="0" y="0"/>
+          <a:chExt cx="0" cy="0"/>
+        </a:xfrm>
+      </p:grpSpPr>
+    </p:spTree>
+    <p:extLst>
+      <p:ext uri="{BB962C8B-B14F-4D97-AF65-F5344CB8AC3E}">
+        <p14:creationId xmlns:p14="http://schemas.microsoft.com/office/powerpoint/2010/main" val="2873866042"/>
       </p:ext>
     </p:extLst>
   </p:cSld>

--- a/Images.pptx
+++ b/Images.pptx
@@ -5886,6 +5886,54 @@
           </a:p>
         </p:txBody>
       </p:sp>
+      <p:cxnSp>
+        <p:nvCxnSpPr>
+          <p:cNvPr id="48" name="Elbow Connector 47">
+            <a:extLst>
+              <a:ext uri="{FF2B5EF4-FFF2-40B4-BE49-F238E27FC236}">
+                <a16:creationId xmlns:a16="http://schemas.microsoft.com/office/drawing/2014/main" id="{EA941C5D-1091-1BDC-D327-39A491D49E8D}"/>
+              </a:ext>
+            </a:extLst>
+          </p:cNvPr>
+          <p:cNvCxnSpPr>
+            <a:stCxn id="34" idx="0"/>
+            <a:endCxn id="30" idx="1"/>
+          </p:cNvCxnSpPr>
+          <p:nvPr/>
+        </p:nvCxnSpPr>
+        <p:spPr>
+          <a:xfrm rot="16200000" flipV="1">
+            <a:off x="8508893" y="2863997"/>
+            <a:ext cx="1318983" cy="286512"/>
+          </a:xfrm>
+          <a:prstGeom prst="bentConnector4">
+            <a:avLst>
+              <a:gd name="adj1" fmla="val 28594"/>
+              <a:gd name="adj2" fmla="val -348936"/>
+            </a:avLst>
+          </a:prstGeom>
+          <a:ln w="76200">
+            <a:solidFill>
+              <a:srgbClr val="7030A0"/>
+            </a:solidFill>
+            <a:tailEnd type="triangle"/>
+          </a:ln>
+        </p:spPr>
+        <p:style>
+          <a:lnRef idx="1">
+            <a:schemeClr val="accent1"/>
+          </a:lnRef>
+          <a:fillRef idx="0">
+            <a:schemeClr val="accent1"/>
+          </a:fillRef>
+          <a:effectRef idx="0">
+            <a:schemeClr val="accent1"/>
+          </a:effectRef>
+          <a:fontRef idx="minor">
+            <a:schemeClr val="tx1"/>
+          </a:fontRef>
+        </p:style>
+      </p:cxnSp>
     </p:spTree>
     <p:extLst>
       <p:ext uri="{BB962C8B-B14F-4D97-AF65-F5344CB8AC3E}">
